--- a/Lecture/Final Project 2/Final_Project_2_Lecture.pptx
+++ b/Lecture/Final Project 2/Final_Project_2_Lecture.pptx
@@ -301,7 +301,7 @@
               <a:pPr>
                 <a:defRPr/>
               </a:pPr>
-              <a:t>7/9/2019</a:t>
+              <a:t>7/7/2020</a:t>
             </a:fld>
             <a:endParaRPr lang="en-US" dirty="0"/>
           </a:p>
@@ -513,7 +513,7 @@
               <a:pPr>
                 <a:defRPr/>
               </a:pPr>
-              <a:t>7/9/2019</a:t>
+              <a:t>7/7/2020</a:t>
             </a:fld>
             <a:endParaRPr lang="en-US" dirty="0"/>
           </a:p>
@@ -1032,7 +1032,7 @@
               <a:pPr>
                 <a:defRPr/>
               </a:pPr>
-              <a:t>7/9/2019</a:t>
+              <a:t>7/7/2020</a:t>
             </a:fld>
             <a:endParaRPr lang="en-US" dirty="0"/>
           </a:p>
@@ -1222,7 +1222,7 @@
               <a:pPr>
                 <a:defRPr/>
               </a:pPr>
-              <a:t>7/9/2019</a:t>
+              <a:t>7/7/2020</a:t>
             </a:fld>
             <a:endParaRPr lang="en-US" dirty="0"/>
           </a:p>
@@ -1422,7 +1422,7 @@
               <a:pPr>
                 <a:defRPr/>
               </a:pPr>
-              <a:t>7/9/2019</a:t>
+              <a:t>7/7/2020</a:t>
             </a:fld>
             <a:endParaRPr lang="en-US" dirty="0"/>
           </a:p>
@@ -1690,7 +1690,7 @@
               <a:pPr>
                 <a:defRPr/>
               </a:pPr>
-              <a:t>7/9/2019</a:t>
+              <a:t>7/7/2020</a:t>
             </a:fld>
             <a:endParaRPr lang="en-US" dirty="0">
               <a:solidFill>
@@ -1904,7 +1904,7 @@
               <a:pPr>
                 <a:defRPr/>
               </a:pPr>
-              <a:t>7/9/2019</a:t>
+              <a:t>7/7/2020</a:t>
             </a:fld>
             <a:endParaRPr lang="en-US" dirty="0">
               <a:solidFill>
@@ -2195,7 +2195,7 @@
               <a:pPr>
                 <a:defRPr/>
               </a:pPr>
-              <a:t>7/9/2019</a:t>
+              <a:t>7/7/2020</a:t>
             </a:fld>
             <a:endParaRPr lang="en-US" dirty="0">
               <a:solidFill>
@@ -2526,7 +2526,7 @@
               <a:pPr>
                 <a:defRPr/>
               </a:pPr>
-              <a:t>7/9/2019</a:t>
+              <a:t>7/7/2020</a:t>
             </a:fld>
             <a:endParaRPr lang="en-US" dirty="0">
               <a:solidFill>
@@ -2991,7 +2991,7 @@
               <a:pPr>
                 <a:defRPr/>
               </a:pPr>
-              <a:t>7/9/2019</a:t>
+              <a:t>7/7/2020</a:t>
             </a:fld>
             <a:endParaRPr lang="en-US" dirty="0">
               <a:solidFill>
@@ -3154,7 +3154,7 @@
               <a:pPr>
                 <a:defRPr/>
               </a:pPr>
-              <a:t>7/9/2019</a:t>
+              <a:t>7/7/2020</a:t>
             </a:fld>
             <a:endParaRPr lang="en-US" dirty="0">
               <a:solidFill>
@@ -3295,7 +3295,7 @@
               <a:pPr>
                 <a:defRPr/>
               </a:pPr>
-              <a:t>7/9/2019</a:t>
+              <a:t>7/7/2020</a:t>
             </a:fld>
             <a:endParaRPr lang="en-US" dirty="0">
               <a:solidFill>
@@ -3616,7 +3616,7 @@
               <a:pPr>
                 <a:defRPr/>
               </a:pPr>
-              <a:t>7/9/2019</a:t>
+              <a:t>7/7/2020</a:t>
             </a:fld>
             <a:endParaRPr lang="en-US" dirty="0">
               <a:solidFill>
@@ -3824,7 +3824,7 @@
               <a:pPr>
                 <a:defRPr/>
               </a:pPr>
-              <a:t>7/9/2019</a:t>
+              <a:t>7/7/2020</a:t>
             </a:fld>
             <a:endParaRPr lang="en-US" dirty="0"/>
           </a:p>
@@ -4107,7 +4107,7 @@
               <a:pPr>
                 <a:defRPr/>
               </a:pPr>
-              <a:t>7/9/2019</a:t>
+              <a:t>7/7/2020</a:t>
             </a:fld>
             <a:endParaRPr lang="en-US" dirty="0">
               <a:solidFill>
@@ -4321,7 +4321,7 @@
               <a:pPr>
                 <a:defRPr/>
               </a:pPr>
-              <a:t>7/9/2019</a:t>
+              <a:t>7/7/2020</a:t>
             </a:fld>
             <a:endParaRPr lang="en-US" dirty="0">
               <a:solidFill>
@@ -4545,7 +4545,7 @@
               <a:pPr>
                 <a:defRPr/>
               </a:pPr>
-              <a:t>7/9/2019</a:t>
+              <a:t>7/7/2020</a:t>
             </a:fld>
             <a:endParaRPr lang="en-US" dirty="0">
               <a:solidFill>
@@ -4755,7 +4755,7 @@
               <a:pPr>
                 <a:defRPr/>
               </a:pPr>
-              <a:t>7/9/2019</a:t>
+              <a:t>7/7/2020</a:t>
             </a:fld>
             <a:endParaRPr lang="en-US" dirty="0">
               <a:solidFill>
@@ -5032,7 +5032,7 @@
               <a:pPr>
                 <a:defRPr/>
               </a:pPr>
-              <a:t>7/9/2019</a:t>
+              <a:t>7/7/2020</a:t>
             </a:fld>
             <a:endParaRPr lang="en-US" dirty="0"/>
           </a:p>
@@ -5339,7 +5339,7 @@
               <a:pPr>
                 <a:defRPr/>
               </a:pPr>
-              <a:t>7/9/2019</a:t>
+              <a:t>7/7/2020</a:t>
             </a:fld>
             <a:endParaRPr lang="en-US" dirty="0"/>
           </a:p>
@@ -5780,7 +5780,7 @@
               <a:pPr>
                 <a:defRPr/>
               </a:pPr>
-              <a:t>7/9/2019</a:t>
+              <a:t>7/7/2020</a:t>
             </a:fld>
             <a:endParaRPr lang="en-US" dirty="0"/>
           </a:p>
@@ -5919,7 +5919,7 @@
               <a:pPr>
                 <a:defRPr/>
               </a:pPr>
-              <a:t>7/9/2019</a:t>
+              <a:t>7/7/2020</a:t>
             </a:fld>
             <a:endParaRPr lang="en-US" dirty="0"/>
           </a:p>
@@ -6036,7 +6036,7 @@
               <a:pPr>
                 <a:defRPr/>
               </a:pPr>
-              <a:t>7/9/2019</a:t>
+              <a:t>7/7/2020</a:t>
             </a:fld>
             <a:endParaRPr lang="en-US" dirty="0"/>
           </a:p>
@@ -6333,7 +6333,7 @@
               <a:pPr>
                 <a:defRPr/>
               </a:pPr>
-              <a:t>7/9/2019</a:t>
+              <a:t>7/7/2020</a:t>
             </a:fld>
             <a:endParaRPr lang="en-US" dirty="0"/>
           </a:p>
@@ -6610,7 +6610,7 @@
               <a:pPr>
                 <a:defRPr/>
               </a:pPr>
-              <a:t>7/9/2019</a:t>
+              <a:t>7/7/2020</a:t>
             </a:fld>
             <a:endParaRPr lang="en-US" dirty="0"/>
           </a:p>
@@ -6867,7 +6867,7 @@
               <a:pPr>
                 <a:defRPr/>
               </a:pPr>
-              <a:t>7/9/2019</a:t>
+              <a:t>7/7/2020</a:t>
             </a:fld>
             <a:endParaRPr lang="en-US" dirty="0"/>
           </a:p>
@@ -7577,7 +7577,7 @@
               <a:pPr>
                 <a:defRPr/>
               </a:pPr>
-              <a:t>7/9/2019</a:t>
+              <a:t>7/7/2020</a:t>
             </a:fld>
             <a:endParaRPr lang="en-US" dirty="0">
               <a:solidFill>
@@ -9192,7 +9192,7 @@
         <p:spPr>
           <a:xfrm>
             <a:off x="3962400" y="643467"/>
-            <a:ext cx="5181600" cy="2677656"/>
+            <a:ext cx="5181600" cy="4154984"/>
           </a:xfrm>
           <a:prstGeom prst="rect">
             <a:avLst/>
@@ -9237,14 +9237,11 @@
               <a:buFont typeface="Arial" panose="020B0604020202020204" pitchFamily="34" charset="0"/>
               <a:buChar char="•"/>
             </a:pPr>
-            <a:r>
-              <a:rPr lang="en-US" dirty="0">
-                <a:solidFill>
-                  <a:srgbClr val="404040"/>
-                </a:solidFill>
-              </a:rPr>
-              <a:t>The Score You Give Yourself Doesn’t Matter in Calculation</a:t>
-            </a:r>
+            <a:endParaRPr lang="en-US" dirty="0">
+              <a:solidFill>
+                <a:srgbClr val="404040"/>
+              </a:solidFill>
+            </a:endParaRPr>
           </a:p>
           <a:p>
             <a:pPr marL="800100" lvl="1" indent="-342900">
@@ -9257,7 +9254,7 @@
                   <a:srgbClr val="404040"/>
                 </a:solidFill>
               </a:rPr>
-              <a:t>Submit on Sakai on the Day of Final Presentations</a:t>
+              <a:t>The Score You Give Yourself Doesn’t Matter in Calculation</a:t>
             </a:r>
           </a:p>
           <a:p>
@@ -9265,334 +9262,53 @@
               <a:buFont typeface="Arial" panose="020B0604020202020204" pitchFamily="34" charset="0"/>
               <a:buChar char="•"/>
             </a:pPr>
+            <a:endParaRPr lang="en-US" dirty="0">
+              <a:solidFill>
+                <a:srgbClr val="404040"/>
+              </a:solidFill>
+            </a:endParaRPr>
+          </a:p>
+          <a:p>
+            <a:pPr marL="800100" lvl="1" indent="-342900">
+              <a:buFont typeface="Arial" panose="020B0604020202020204" pitchFamily="34" charset="0"/>
+              <a:buChar char="•"/>
+            </a:pPr>
             <a:r>
               <a:rPr lang="en-US" dirty="0">
                 <a:solidFill>
                   <a:srgbClr val="404040"/>
                 </a:solidFill>
               </a:rPr>
-              <a:t>CSV Template on Website</a:t>
-            </a:r>
-          </a:p>
-        </p:txBody>
-      </p:sp>
-      <p:graphicFrame>
-        <p:nvGraphicFramePr>
-          <p:cNvPr id="3" name="Table 2">
-            <a:extLst>
-              <a:ext uri="{FF2B5EF4-FFF2-40B4-BE49-F238E27FC236}">
-                <a16:creationId xmlns:a16="http://schemas.microsoft.com/office/drawing/2014/main" id="{18C93635-5253-4529-8D5F-CA3E53E7CC73}"/>
-              </a:ext>
-            </a:extLst>
-          </p:cNvPr>
-          <p:cNvGraphicFramePr>
-            <a:graphicFrameLocks noGrp="1"/>
-          </p:cNvGraphicFramePr>
-          <p:nvPr>
-            <p:extLst>
-              <p:ext uri="{D42A27DB-BD31-4B8C-83A1-F6EECF244321}">
-                <p14:modId xmlns:p14="http://schemas.microsoft.com/office/powerpoint/2010/main" val="1795483846"/>
-              </p:ext>
-            </p:extLst>
-          </p:nvPr>
-        </p:nvGraphicFramePr>
-        <p:xfrm>
-          <a:off x="4050391" y="3581400"/>
-          <a:ext cx="4665542" cy="1752600"/>
-        </p:xfrm>
-        <a:graphic>
-          <a:graphicData uri="http://schemas.openxmlformats.org/drawingml/2006/table">
-            <a:tbl>
-              <a:tblPr>
-                <a:tableStyleId>{125E5076-3810-47DD-B79F-674D7AD40C01}</a:tableStyleId>
-              </a:tblPr>
-              <a:tblGrid>
-                <a:gridCol w="2272337">
-                  <a:extLst>
-                    <a:ext uri="{9D8B030D-6E8A-4147-A177-3AD203B41FA5}">
-                      <a16:colId xmlns:a16="http://schemas.microsoft.com/office/drawing/2014/main" val="801357358"/>
-                    </a:ext>
-                  </a:extLst>
-                </a:gridCol>
-                <a:gridCol w="2393205">
-                  <a:extLst>
-                    <a:ext uri="{9D8B030D-6E8A-4147-A177-3AD203B41FA5}">
-                      <a16:colId xmlns:a16="http://schemas.microsoft.com/office/drawing/2014/main" val="3594802306"/>
-                    </a:ext>
-                  </a:extLst>
-                </a:gridCol>
-              </a:tblGrid>
-              <a:tr h="350520">
-                <a:tc>
-                  <a:txBody>
-                    <a:bodyPr/>
-                    <a:lstStyle/>
-                    <a:p>
-                      <a:pPr algn="ctr" fontAlgn="b"/>
-                      <a:r>
-                        <a:rPr lang="en-US" sz="2100" b="1" u="none" strike="noStrike" dirty="0">
-                          <a:effectLst/>
-                        </a:rPr>
-                        <a:t>Name</a:t>
-                      </a:r>
-                      <a:endParaRPr lang="en-US" sz="2100" b="1" i="0" u="none" strike="noStrike" dirty="0">
-                        <a:solidFill>
-                          <a:srgbClr val="000000"/>
-                        </a:solidFill>
-                        <a:effectLst/>
-                        <a:latin typeface="Calibri" panose="020F0502020204030204" pitchFamily="34" charset="0"/>
-                      </a:endParaRPr>
-                    </a:p>
-                  </a:txBody>
-                  <a:tcPr marL="12087" marR="12087" marT="12087" marB="0" anchor="ctr">
-                    <a:solidFill>
-                      <a:srgbClr val="404040"/>
-                    </a:solidFill>
-                  </a:tcPr>
-                </a:tc>
-                <a:tc>
-                  <a:txBody>
-                    <a:bodyPr/>
-                    <a:lstStyle/>
-                    <a:p>
-                      <a:pPr algn="ctr" fontAlgn="b"/>
-                      <a:r>
-                        <a:rPr lang="en-US" sz="2100" b="1" u="none" strike="noStrike" dirty="0">
-                          <a:effectLst/>
-                        </a:rPr>
-                        <a:t>Score</a:t>
-                      </a:r>
-                      <a:endParaRPr lang="en-US" sz="2100" b="1" i="0" u="none" strike="noStrike" dirty="0">
-                        <a:solidFill>
-                          <a:srgbClr val="000000"/>
-                        </a:solidFill>
-                        <a:effectLst/>
-                        <a:latin typeface="Calibri" panose="020F0502020204030204" pitchFamily="34" charset="0"/>
-                      </a:endParaRPr>
-                    </a:p>
-                  </a:txBody>
-                  <a:tcPr marL="12087" marR="12087" marT="12087" marB="0" anchor="ctr">
-                    <a:solidFill>
-                      <a:srgbClr val="404040"/>
-                    </a:solidFill>
-                  </a:tcPr>
-                </a:tc>
-                <a:extLst>
-                  <a:ext uri="{0D108BD9-81ED-4DB2-BD59-A6C34878D82A}">
-                    <a16:rowId xmlns:a16="http://schemas.microsoft.com/office/drawing/2014/main" val="3971550525"/>
-                  </a:ext>
-                </a:extLst>
-              </a:tr>
-              <a:tr h="350520">
-                <a:tc>
-                  <a:txBody>
-                    <a:bodyPr/>
-                    <a:lstStyle/>
-                    <a:p>
-                      <a:pPr algn="ctr" fontAlgn="b"/>
-                      <a:r>
-                        <a:rPr lang="en-US" sz="2100" u="none" strike="noStrike">
-                          <a:effectLst/>
-                        </a:rPr>
-                        <a:t>James, Lebron</a:t>
-                      </a:r>
-                      <a:endParaRPr lang="en-US" sz="2100" b="0" i="0" u="none" strike="noStrike">
-                        <a:solidFill>
-                          <a:srgbClr val="000000"/>
-                        </a:solidFill>
-                        <a:effectLst/>
-                        <a:latin typeface="Calibri" panose="020F0502020204030204" pitchFamily="34" charset="0"/>
-                      </a:endParaRPr>
-                    </a:p>
-                  </a:txBody>
-                  <a:tcPr marL="12087" marR="12087" marT="12087" marB="0" anchor="ctr"/>
-                </a:tc>
-                <a:tc>
-                  <a:txBody>
-                    <a:bodyPr/>
-                    <a:lstStyle/>
-                    <a:p>
-                      <a:pPr algn="ctr" fontAlgn="b"/>
-                      <a:r>
-                        <a:rPr lang="en-US" sz="2100" b="0" i="0" u="none" strike="noStrike" dirty="0">
-                          <a:solidFill>
-                            <a:schemeClr val="bg1"/>
-                          </a:solidFill>
-                          <a:effectLst/>
-                          <a:latin typeface="Calibri" panose="020F0502020204030204" pitchFamily="34" charset="0"/>
-                        </a:rPr>
-                        <a:t>5</a:t>
-                      </a:r>
-                    </a:p>
-                  </a:txBody>
-                  <a:tcPr marL="12087" marR="12087" marT="12087" marB="0" anchor="ctr"/>
-                </a:tc>
-                <a:extLst>
-                  <a:ext uri="{0D108BD9-81ED-4DB2-BD59-A6C34878D82A}">
-                    <a16:rowId xmlns:a16="http://schemas.microsoft.com/office/drawing/2014/main" val="1074301624"/>
-                  </a:ext>
-                </a:extLst>
-              </a:tr>
-              <a:tr h="350520">
-                <a:tc>
-                  <a:txBody>
-                    <a:bodyPr/>
-                    <a:lstStyle/>
-                    <a:p>
-                      <a:pPr algn="ctr" fontAlgn="b"/>
-                      <a:r>
-                        <a:rPr lang="en-US" sz="2100" u="none" strike="noStrike">
-                          <a:effectLst/>
-                        </a:rPr>
-                        <a:t>Smith, J.R.</a:t>
-                      </a:r>
-                      <a:endParaRPr lang="en-US" sz="2100" b="0" i="0" u="none" strike="noStrike">
-                        <a:solidFill>
-                          <a:srgbClr val="000000"/>
-                        </a:solidFill>
-                        <a:effectLst/>
-                        <a:latin typeface="Calibri" panose="020F0502020204030204" pitchFamily="34" charset="0"/>
-                      </a:endParaRPr>
-                    </a:p>
-                  </a:txBody>
-                  <a:tcPr marL="12087" marR="12087" marT="12087" marB="0" anchor="ctr"/>
-                </a:tc>
-                <a:tc>
-                  <a:txBody>
-                    <a:bodyPr/>
-                    <a:lstStyle/>
-                    <a:p>
-                      <a:pPr algn="ctr" fontAlgn="b"/>
-                      <a:r>
-                        <a:rPr lang="en-US" sz="2100" u="none" strike="noStrike" dirty="0">
-                          <a:effectLst/>
-                        </a:rPr>
-                        <a:t>1</a:t>
-                      </a:r>
-                      <a:endParaRPr lang="en-US" sz="2100" b="0" i="0" u="none" strike="noStrike" dirty="0">
-                        <a:solidFill>
-                          <a:srgbClr val="000000"/>
-                        </a:solidFill>
-                        <a:effectLst/>
-                        <a:latin typeface="Calibri" panose="020F0502020204030204" pitchFamily="34" charset="0"/>
-                      </a:endParaRPr>
-                    </a:p>
-                  </a:txBody>
-                  <a:tcPr marL="12087" marR="12087" marT="12087" marB="0" anchor="ctr"/>
-                </a:tc>
-                <a:extLst>
-                  <a:ext uri="{0D108BD9-81ED-4DB2-BD59-A6C34878D82A}">
-                    <a16:rowId xmlns:a16="http://schemas.microsoft.com/office/drawing/2014/main" val="883799485"/>
-                  </a:ext>
-                </a:extLst>
-              </a:tr>
-              <a:tr h="350520">
-                <a:tc>
-                  <a:txBody>
-                    <a:bodyPr/>
-                    <a:lstStyle/>
-                    <a:p>
-                      <a:pPr algn="ctr" fontAlgn="b"/>
-                      <a:r>
-                        <a:rPr lang="en-US" sz="2100" u="none" strike="noStrike">
-                          <a:effectLst/>
-                        </a:rPr>
-                        <a:t>Lue, Tyronn</a:t>
-                      </a:r>
-                      <a:endParaRPr lang="en-US" sz="2100" b="0" i="0" u="none" strike="noStrike">
-                        <a:solidFill>
-                          <a:srgbClr val="000000"/>
-                        </a:solidFill>
-                        <a:effectLst/>
-                        <a:latin typeface="Calibri" panose="020F0502020204030204" pitchFamily="34" charset="0"/>
-                      </a:endParaRPr>
-                    </a:p>
-                  </a:txBody>
-                  <a:tcPr marL="12087" marR="12087" marT="12087" marB="0" anchor="ctr"/>
-                </a:tc>
-                <a:tc>
-                  <a:txBody>
-                    <a:bodyPr/>
-                    <a:lstStyle/>
-                    <a:p>
-                      <a:pPr algn="ctr" fontAlgn="b"/>
-                      <a:r>
-                        <a:rPr lang="en-US" sz="2100" u="none" strike="noStrike" dirty="0">
-                          <a:effectLst/>
-                        </a:rPr>
-                        <a:t>2</a:t>
-                      </a:r>
-                      <a:endParaRPr lang="en-US" sz="2100" b="0" i="0" u="none" strike="noStrike" dirty="0">
-                        <a:solidFill>
-                          <a:srgbClr val="000000"/>
-                        </a:solidFill>
-                        <a:effectLst/>
-                        <a:latin typeface="Calibri" panose="020F0502020204030204" pitchFamily="34" charset="0"/>
-                      </a:endParaRPr>
-                    </a:p>
-                  </a:txBody>
-                  <a:tcPr marL="12087" marR="12087" marT="12087" marB="0" anchor="ctr"/>
-                </a:tc>
-                <a:extLst>
-                  <a:ext uri="{0D108BD9-81ED-4DB2-BD59-A6C34878D82A}">
-                    <a16:rowId xmlns:a16="http://schemas.microsoft.com/office/drawing/2014/main" val="3008209415"/>
-                  </a:ext>
-                </a:extLst>
-              </a:tr>
-              <a:tr h="350520">
-                <a:tc>
-                  <a:txBody>
-                    <a:bodyPr/>
-                    <a:lstStyle/>
-                    <a:p>
-                      <a:pPr algn="ctr" fontAlgn="b"/>
-                      <a:r>
-                        <a:rPr lang="en-US" sz="2100" u="none" strike="noStrike">
-                          <a:effectLst/>
-                        </a:rPr>
-                        <a:t>Love, Kevin</a:t>
-                      </a:r>
-                      <a:endParaRPr lang="en-US" sz="2100" b="0" i="0" u="none" strike="noStrike">
-                        <a:solidFill>
-                          <a:srgbClr val="000000"/>
-                        </a:solidFill>
-                        <a:effectLst/>
-                        <a:latin typeface="Calibri" panose="020F0502020204030204" pitchFamily="34" charset="0"/>
-                      </a:endParaRPr>
-                    </a:p>
-                  </a:txBody>
-                  <a:tcPr marL="12087" marR="12087" marT="12087" marB="0" anchor="b"/>
-                </a:tc>
-                <a:tc>
-                  <a:txBody>
-                    <a:bodyPr/>
-                    <a:lstStyle/>
-                    <a:p>
-                      <a:pPr algn="ctr" fontAlgn="b"/>
-                      <a:r>
-                        <a:rPr lang="en-US" sz="2100" b="0" i="0" u="none" strike="noStrike" dirty="0">
-                          <a:solidFill>
-                            <a:schemeClr val="bg1"/>
-                          </a:solidFill>
-                          <a:effectLst/>
-                          <a:latin typeface="Calibri" panose="020F0502020204030204" pitchFamily="34" charset="0"/>
-                        </a:rPr>
-                        <a:t>2</a:t>
-                      </a:r>
-                    </a:p>
-                  </a:txBody>
-                  <a:tcPr marL="12087" marR="12087" marT="12087" marB="0" anchor="b"/>
-                </a:tc>
-                <a:extLst>
-                  <a:ext uri="{0D108BD9-81ED-4DB2-BD59-A6C34878D82A}">
-                    <a16:rowId xmlns:a16="http://schemas.microsoft.com/office/drawing/2014/main" val="1583216125"/>
-                  </a:ext>
-                </a:extLst>
-              </a:tr>
-            </a:tbl>
-          </a:graphicData>
-        </a:graphic>
-      </p:graphicFrame>
+              <a:t>Fill Out Using Google Form By End of Final Exam Day</a:t>
+            </a:r>
+          </a:p>
+          <a:p>
+            <a:pPr marL="800100" lvl="1" indent="-342900">
+              <a:buFont typeface="Arial" panose="020B0604020202020204" pitchFamily="34" charset="0"/>
+              <a:buChar char="•"/>
+            </a:pPr>
+            <a:endParaRPr lang="en-US" dirty="0">
+              <a:solidFill>
+                <a:srgbClr val="404040"/>
+              </a:solidFill>
+            </a:endParaRPr>
+          </a:p>
+          <a:p>
+            <a:pPr marL="800100" lvl="1" indent="-342900">
+              <a:buFont typeface="Arial" panose="020B0604020202020204" pitchFamily="34" charset="0"/>
+              <a:buChar char="•"/>
+            </a:pPr>
+            <a:r>
+              <a:rPr lang="en-US" dirty="0">
+                <a:solidFill>
+                  <a:srgbClr val="404040"/>
+                </a:solidFill>
+              </a:rPr>
+              <a:t>Link to Google Form on Website</a:t>
+            </a:r>
+          </a:p>
+        </p:txBody>
+      </p:sp>
     </p:spTree>
     <p:custDataLst>
       <p:tags r:id="rId1"/>

--- a/Lecture/Final Project 2/Final_Project_2_Lecture.pptx
+++ b/Lecture/Final Project 2/Final_Project_2_Lecture.pptx
@@ -6,10 +6,10 @@
     <p:sldMasterId id="2147483676" r:id="rId2"/>
   </p:sldMasterIdLst>
   <p:notesMasterIdLst>
-    <p:notesMasterId r:id="rId17"/>
+    <p:notesMasterId r:id="rId18"/>
   </p:notesMasterIdLst>
   <p:handoutMasterIdLst>
-    <p:handoutMasterId r:id="rId18"/>
+    <p:handoutMasterId r:id="rId19"/>
   </p:handoutMasterIdLst>
   <p:sldIdLst>
     <p:sldId id="320" r:id="rId3"/>
@@ -25,12 +25,13 @@
     <p:sldId id="350" r:id="rId13"/>
     <p:sldId id="340" r:id="rId14"/>
     <p:sldId id="347" r:id="rId15"/>
-    <p:sldId id="329" r:id="rId16"/>
+    <p:sldId id="352" r:id="rId16"/>
+    <p:sldId id="329" r:id="rId17"/>
   </p:sldIdLst>
   <p:sldSz cx="9144000" cy="6858000" type="screen4x3"/>
   <p:notesSz cx="6858000" cy="9144000"/>
   <p:custDataLst>
-    <p:tags r:id="rId19"/>
+    <p:tags r:id="rId20"/>
   </p:custDataLst>
   <p:defaultTextStyle>
     <a:defPPr>
@@ -301,7 +302,7 @@
               <a:pPr>
                 <a:defRPr/>
               </a:pPr>
-              <a:t>7/7/2020</a:t>
+              <a:t>2/17/2022</a:t>
             </a:fld>
             <a:endParaRPr lang="en-US" dirty="0"/>
           </a:p>
@@ -513,7 +514,7 @@
               <a:pPr>
                 <a:defRPr/>
               </a:pPr>
-              <a:t>7/7/2020</a:t>
+              <a:t>2/17/2022</a:t>
             </a:fld>
             <a:endParaRPr lang="en-US" dirty="0"/>
           </a:p>
@@ -1032,7 +1033,7 @@
               <a:pPr>
                 <a:defRPr/>
               </a:pPr>
-              <a:t>7/7/2020</a:t>
+              <a:t>2/17/2022</a:t>
             </a:fld>
             <a:endParaRPr lang="en-US" dirty="0"/>
           </a:p>
@@ -1222,7 +1223,7 @@
               <a:pPr>
                 <a:defRPr/>
               </a:pPr>
-              <a:t>7/7/2020</a:t>
+              <a:t>2/17/2022</a:t>
             </a:fld>
             <a:endParaRPr lang="en-US" dirty="0"/>
           </a:p>
@@ -1422,7 +1423,7 @@
               <a:pPr>
                 <a:defRPr/>
               </a:pPr>
-              <a:t>7/7/2020</a:t>
+              <a:t>2/17/2022</a:t>
             </a:fld>
             <a:endParaRPr lang="en-US" dirty="0"/>
           </a:p>
@@ -1690,7 +1691,7 @@
               <a:pPr>
                 <a:defRPr/>
               </a:pPr>
-              <a:t>7/7/2020</a:t>
+              <a:t>2/17/2022</a:t>
             </a:fld>
             <a:endParaRPr lang="en-US" dirty="0">
               <a:solidFill>
@@ -1904,7 +1905,7 @@
               <a:pPr>
                 <a:defRPr/>
               </a:pPr>
-              <a:t>7/7/2020</a:t>
+              <a:t>2/17/2022</a:t>
             </a:fld>
             <a:endParaRPr lang="en-US" dirty="0">
               <a:solidFill>
@@ -2195,7 +2196,7 @@
               <a:pPr>
                 <a:defRPr/>
               </a:pPr>
-              <a:t>7/7/2020</a:t>
+              <a:t>2/17/2022</a:t>
             </a:fld>
             <a:endParaRPr lang="en-US" dirty="0">
               <a:solidFill>
@@ -2526,7 +2527,7 @@
               <a:pPr>
                 <a:defRPr/>
               </a:pPr>
-              <a:t>7/7/2020</a:t>
+              <a:t>2/17/2022</a:t>
             </a:fld>
             <a:endParaRPr lang="en-US" dirty="0">
               <a:solidFill>
@@ -2991,7 +2992,7 @@
               <a:pPr>
                 <a:defRPr/>
               </a:pPr>
-              <a:t>7/7/2020</a:t>
+              <a:t>2/17/2022</a:t>
             </a:fld>
             <a:endParaRPr lang="en-US" dirty="0">
               <a:solidFill>
@@ -3154,7 +3155,7 @@
               <a:pPr>
                 <a:defRPr/>
               </a:pPr>
-              <a:t>7/7/2020</a:t>
+              <a:t>2/17/2022</a:t>
             </a:fld>
             <a:endParaRPr lang="en-US" dirty="0">
               <a:solidFill>
@@ -3295,7 +3296,7 @@
               <a:pPr>
                 <a:defRPr/>
               </a:pPr>
-              <a:t>7/7/2020</a:t>
+              <a:t>2/17/2022</a:t>
             </a:fld>
             <a:endParaRPr lang="en-US" dirty="0">
               <a:solidFill>
@@ -3616,7 +3617,7 @@
               <a:pPr>
                 <a:defRPr/>
               </a:pPr>
-              <a:t>7/7/2020</a:t>
+              <a:t>2/17/2022</a:t>
             </a:fld>
             <a:endParaRPr lang="en-US" dirty="0">
               <a:solidFill>
@@ -3824,7 +3825,7 @@
               <a:pPr>
                 <a:defRPr/>
               </a:pPr>
-              <a:t>7/7/2020</a:t>
+              <a:t>2/17/2022</a:t>
             </a:fld>
             <a:endParaRPr lang="en-US" dirty="0"/>
           </a:p>
@@ -4107,7 +4108,7 @@
               <a:pPr>
                 <a:defRPr/>
               </a:pPr>
-              <a:t>7/7/2020</a:t>
+              <a:t>2/17/2022</a:t>
             </a:fld>
             <a:endParaRPr lang="en-US" dirty="0">
               <a:solidFill>
@@ -4321,7 +4322,7 @@
               <a:pPr>
                 <a:defRPr/>
               </a:pPr>
-              <a:t>7/7/2020</a:t>
+              <a:t>2/17/2022</a:t>
             </a:fld>
             <a:endParaRPr lang="en-US" dirty="0">
               <a:solidFill>
@@ -4545,7 +4546,7 @@
               <a:pPr>
                 <a:defRPr/>
               </a:pPr>
-              <a:t>7/7/2020</a:t>
+              <a:t>2/17/2022</a:t>
             </a:fld>
             <a:endParaRPr lang="en-US" dirty="0">
               <a:solidFill>
@@ -4755,7 +4756,7 @@
               <a:pPr>
                 <a:defRPr/>
               </a:pPr>
-              <a:t>7/7/2020</a:t>
+              <a:t>2/17/2022</a:t>
             </a:fld>
             <a:endParaRPr lang="en-US" dirty="0">
               <a:solidFill>
@@ -5032,7 +5033,7 @@
               <a:pPr>
                 <a:defRPr/>
               </a:pPr>
-              <a:t>7/7/2020</a:t>
+              <a:t>2/17/2022</a:t>
             </a:fld>
             <a:endParaRPr lang="en-US" dirty="0"/>
           </a:p>
@@ -5339,7 +5340,7 @@
               <a:pPr>
                 <a:defRPr/>
               </a:pPr>
-              <a:t>7/7/2020</a:t>
+              <a:t>2/17/2022</a:t>
             </a:fld>
             <a:endParaRPr lang="en-US" dirty="0"/>
           </a:p>
@@ -5780,7 +5781,7 @@
               <a:pPr>
                 <a:defRPr/>
               </a:pPr>
-              <a:t>7/7/2020</a:t>
+              <a:t>2/17/2022</a:t>
             </a:fld>
             <a:endParaRPr lang="en-US" dirty="0"/>
           </a:p>
@@ -5919,7 +5920,7 @@
               <a:pPr>
                 <a:defRPr/>
               </a:pPr>
-              <a:t>7/7/2020</a:t>
+              <a:t>2/17/2022</a:t>
             </a:fld>
             <a:endParaRPr lang="en-US" dirty="0"/>
           </a:p>
@@ -6036,7 +6037,7 @@
               <a:pPr>
                 <a:defRPr/>
               </a:pPr>
-              <a:t>7/7/2020</a:t>
+              <a:t>2/17/2022</a:t>
             </a:fld>
             <a:endParaRPr lang="en-US" dirty="0"/>
           </a:p>
@@ -6333,7 +6334,7 @@
               <a:pPr>
                 <a:defRPr/>
               </a:pPr>
-              <a:t>7/7/2020</a:t>
+              <a:t>2/17/2022</a:t>
             </a:fld>
             <a:endParaRPr lang="en-US" dirty="0"/>
           </a:p>
@@ -6610,7 +6611,7 @@
               <a:pPr>
                 <a:defRPr/>
               </a:pPr>
-              <a:t>7/7/2020</a:t>
+              <a:t>2/17/2022</a:t>
             </a:fld>
             <a:endParaRPr lang="en-US" dirty="0"/>
           </a:p>
@@ -6867,7 +6868,7 @@
               <a:pPr>
                 <a:defRPr/>
               </a:pPr>
-              <a:t>7/7/2020</a:t>
+              <a:t>2/17/2022</a:t>
             </a:fld>
             <a:endParaRPr lang="en-US" dirty="0"/>
           </a:p>
@@ -7577,7 +7578,7 @@
               <a:pPr>
                 <a:defRPr/>
               </a:pPr>
-              <a:t>7/7/2020</a:t>
+              <a:t>2/17/2022</a:t>
             </a:fld>
             <a:endParaRPr lang="en-US" dirty="0">
               <a:solidFill>
@@ -9192,7 +9193,7 @@
         <p:spPr>
           <a:xfrm>
             <a:off x="3962400" y="643467"/>
-            <a:ext cx="5181600" cy="4154984"/>
+            <a:ext cx="5181600" cy="3785652"/>
           </a:xfrm>
           <a:prstGeom prst="rect">
             <a:avLst/>
@@ -9254,7 +9255,7 @@
                   <a:srgbClr val="404040"/>
                 </a:solidFill>
               </a:rPr>
-              <a:t>The Score You Give Yourself Doesn’t Matter in Calculation</a:t>
+              <a:t>Do Not Score Yourself</a:t>
             </a:r>
           </a:p>
           <a:p>
@@ -10268,6 +10269,372 @@
           <a:bodyPr rtlCol="0" anchor="ctr"/>
           <a:lstStyle/>
           <a:p>
+            <a:pPr marL="0" marR="0" lvl="0" indent="0" algn="ctr" defTabSz="457200" rtl="0" eaLnBrk="1" fontAlgn="base" latinLnBrk="0" hangingPunct="1">
+              <a:lnSpc>
+                <a:spcPct val="100000"/>
+              </a:lnSpc>
+              <a:spcBef>
+                <a:spcPct val="0"/>
+              </a:spcBef>
+              <a:spcAft>
+                <a:spcPct val="0"/>
+              </a:spcAft>
+              <a:buClrTx/>
+              <a:buSzTx/>
+              <a:buFontTx/>
+              <a:buNone/>
+              <a:tabLst/>
+              <a:defRPr/>
+            </a:pPr>
+            <a:endParaRPr kumimoji="0" lang="en-US" sz="2400" b="0" i="0" u="none" strike="noStrike" kern="1200" cap="none" spc="0" normalizeH="0" baseline="0" noProof="0">
+              <a:ln>
+                <a:noFill/>
+              </a:ln>
+              <a:solidFill>
+                <a:prstClr val="white"/>
+              </a:solidFill>
+              <a:effectLst/>
+              <a:uLnTx/>
+              <a:uFillTx/>
+              <a:latin typeface="Calibri"/>
+              <a:ea typeface="+mn-ea"/>
+              <a:cs typeface="+mn-cs"/>
+            </a:endParaRPr>
+          </a:p>
+        </p:txBody>
+      </p:sp>
+      <p:sp>
+        <p:nvSpPr>
+          <p:cNvPr id="2" name="Title 1"/>
+          <p:cNvSpPr>
+            <a:spLocks noGrp="1"/>
+          </p:cNvSpPr>
+          <p:nvPr>
+            <p:ph type="title"/>
+          </p:nvPr>
+        </p:nvSpPr>
+        <p:spPr>
+          <a:xfrm>
+            <a:off x="482600" y="643467"/>
+            <a:ext cx="2522980" cy="1597315"/>
+          </a:xfrm>
+          <a:noFill/>
+          <a:ln w="19050">
+            <a:solidFill>
+              <a:schemeClr val="bg1"/>
+            </a:solidFill>
+          </a:ln>
+        </p:spPr>
+        <p:txBody>
+          <a:bodyPr vert="horz" wrap="square" lIns="91440" tIns="45720" rIns="91440" bIns="45720" rtlCol="0" anchor="ctr">
+            <a:normAutofit/>
+          </a:bodyPr>
+          <a:lstStyle/>
+          <a:p>
+            <a:pPr defTabSz="914400" eaLnBrk="1" hangingPunct="1">
+              <a:lnSpc>
+                <a:spcPct val="90000"/>
+              </a:lnSpc>
+            </a:pPr>
+            <a:r>
+              <a:rPr lang="en-US" sz="2400" kern="1200" dirty="0">
+                <a:solidFill>
+                  <a:schemeClr val="bg1"/>
+                </a:solidFill>
+                <a:latin typeface="+mj-lt"/>
+                <a:ea typeface="+mj-ea"/>
+                <a:cs typeface="+mj-cs"/>
+              </a:rPr>
+              <a:t>Part 4</a:t>
+            </a:r>
+            <a:br>
+              <a:rPr lang="en-US" sz="2400" kern="1200" dirty="0">
+                <a:solidFill>
+                  <a:schemeClr val="bg1"/>
+                </a:solidFill>
+                <a:latin typeface="+mj-lt"/>
+                <a:ea typeface="+mj-ea"/>
+                <a:cs typeface="+mj-cs"/>
+              </a:rPr>
+            </a:br>
+            <a:r>
+              <a:rPr lang="en-US" sz="2400" kern="1200" dirty="0">
+                <a:solidFill>
+                  <a:schemeClr val="bg1"/>
+                </a:solidFill>
+                <a:latin typeface="+mj-lt"/>
+                <a:ea typeface="+mj-ea"/>
+                <a:cs typeface="+mj-cs"/>
+              </a:rPr>
+              <a:t>Presentation</a:t>
+            </a:r>
+          </a:p>
+        </p:txBody>
+      </p:sp>
+      <p:pic>
+        <p:nvPicPr>
+          <p:cNvPr id="8" name="Picture 7">
+            <a:extLst>
+              <a:ext uri="{FF2B5EF4-FFF2-40B4-BE49-F238E27FC236}">
+                <a16:creationId xmlns:a16="http://schemas.microsoft.com/office/drawing/2014/main" id="{521D4292-9ECC-4DA5-8CC0-C561A0DA118E}"/>
+              </a:ext>
+            </a:extLst>
+          </p:cNvPr>
+          <p:cNvPicPr>
+            <a:picLocks noChangeAspect="1"/>
+          </p:cNvPicPr>
+          <p:nvPr/>
+        </p:nvPicPr>
+        <p:blipFill rotWithShape="1">
+          <a:blip r:embed="rId3"/>
+          <a:srcRect l="8000" r="9400"/>
+          <a:stretch/>
+        </p:blipFill>
+        <p:spPr>
+          <a:xfrm>
+            <a:off x="660103" y="3048000"/>
+            <a:ext cx="2167974" cy="2624666"/>
+          </a:xfrm>
+          <a:prstGeom prst="rect">
+            <a:avLst/>
+          </a:prstGeom>
+          <a:noFill/>
+        </p:spPr>
+      </p:pic>
+      <p:sp>
+        <p:nvSpPr>
+          <p:cNvPr id="6" name="TextBox 5">
+            <a:extLst>
+              <a:ext uri="{FF2B5EF4-FFF2-40B4-BE49-F238E27FC236}">
+                <a16:creationId xmlns:a16="http://schemas.microsoft.com/office/drawing/2014/main" id="{9BF1A4AB-D5D3-46D9-9B5D-F6EB9EE88791}"/>
+              </a:ext>
+            </a:extLst>
+          </p:cNvPr>
+          <p:cNvSpPr txBox="1"/>
+          <p:nvPr/>
+        </p:nvSpPr>
+        <p:spPr>
+          <a:xfrm>
+            <a:off x="3962400" y="643467"/>
+            <a:ext cx="5181600" cy="3785652"/>
+          </a:xfrm>
+          <a:prstGeom prst="rect">
+            <a:avLst/>
+          </a:prstGeom>
+          <a:noFill/>
+        </p:spPr>
+        <p:txBody>
+          <a:bodyPr wrap="square" rtlCol="0">
+            <a:spAutoFit/>
+          </a:bodyPr>
+          <a:lstStyle/>
+          <a:p>
+            <a:pPr marL="342900" indent="-342900">
+              <a:buFont typeface="Arial" panose="020B0604020202020204" pitchFamily="34" charset="0"/>
+              <a:buChar char="•"/>
+            </a:pPr>
+            <a:r>
+              <a:rPr lang="en-US" dirty="0">
+                <a:solidFill>
+                  <a:srgbClr val="404040"/>
+                </a:solidFill>
+              </a:rPr>
+              <a:t>Group Scoring (CIOD)</a:t>
+            </a:r>
+          </a:p>
+          <a:p>
+            <a:pPr marL="800100" lvl="1" indent="-342900">
+              <a:buFont typeface="Arial" panose="020B0604020202020204" pitchFamily="34" charset="0"/>
+              <a:buChar char="•"/>
+            </a:pPr>
+            <a:r>
+              <a:rPr lang="en-US" dirty="0">
+                <a:solidFill>
+                  <a:srgbClr val="404040"/>
+                </a:solidFill>
+              </a:rPr>
+              <a:t>Score Members from 0 to 5</a:t>
+            </a:r>
+          </a:p>
+          <a:p>
+            <a:pPr marL="800100" lvl="1" indent="-342900">
+              <a:buFont typeface="Arial" panose="020B0604020202020204" pitchFamily="34" charset="0"/>
+              <a:buChar char="•"/>
+            </a:pPr>
+            <a:endParaRPr lang="en-US" dirty="0">
+              <a:solidFill>
+                <a:srgbClr val="404040"/>
+              </a:solidFill>
+            </a:endParaRPr>
+          </a:p>
+          <a:p>
+            <a:pPr marL="800100" lvl="1" indent="-342900">
+              <a:buFont typeface="Arial" panose="020B0604020202020204" pitchFamily="34" charset="0"/>
+              <a:buChar char="•"/>
+            </a:pPr>
+            <a:r>
+              <a:rPr lang="en-US" dirty="0">
+                <a:solidFill>
+                  <a:srgbClr val="404040"/>
+                </a:solidFill>
+              </a:rPr>
+              <a:t>Do Not Score Yourself</a:t>
+            </a:r>
+          </a:p>
+          <a:p>
+            <a:pPr marL="800100" lvl="1" indent="-342900">
+              <a:buFont typeface="Arial" panose="020B0604020202020204" pitchFamily="34" charset="0"/>
+              <a:buChar char="•"/>
+            </a:pPr>
+            <a:endParaRPr lang="en-US" dirty="0">
+              <a:solidFill>
+                <a:srgbClr val="404040"/>
+              </a:solidFill>
+            </a:endParaRPr>
+          </a:p>
+          <a:p>
+            <a:pPr marL="800100" lvl="1" indent="-342900">
+              <a:buFont typeface="Arial" panose="020B0604020202020204" pitchFamily="34" charset="0"/>
+              <a:buChar char="•"/>
+            </a:pPr>
+            <a:r>
+              <a:rPr lang="en-US" dirty="0">
+                <a:solidFill>
+                  <a:srgbClr val="404040"/>
+                </a:solidFill>
+              </a:rPr>
+              <a:t>Fill Out Using Google Form By End of Final Exam Day</a:t>
+            </a:r>
+          </a:p>
+          <a:p>
+            <a:pPr marL="800100" lvl="1" indent="-342900">
+              <a:buFont typeface="Arial" panose="020B0604020202020204" pitchFamily="34" charset="0"/>
+              <a:buChar char="•"/>
+            </a:pPr>
+            <a:endParaRPr lang="en-US" dirty="0">
+              <a:solidFill>
+                <a:srgbClr val="404040"/>
+              </a:solidFill>
+            </a:endParaRPr>
+          </a:p>
+          <a:p>
+            <a:pPr marL="800100" lvl="1" indent="-342900">
+              <a:buFont typeface="Arial" panose="020B0604020202020204" pitchFamily="34" charset="0"/>
+              <a:buChar char="•"/>
+            </a:pPr>
+            <a:r>
+              <a:rPr lang="en-US" dirty="0">
+                <a:solidFill>
+                  <a:srgbClr val="404040"/>
+                </a:solidFill>
+              </a:rPr>
+              <a:t>Link to Google Form on Website</a:t>
+            </a:r>
+          </a:p>
+        </p:txBody>
+      </p:sp>
+    </p:spTree>
+    <p:custDataLst>
+      <p:tags r:id="rId1"/>
+    </p:custDataLst>
+    <p:extLst>
+      <p:ext uri="{BB962C8B-B14F-4D97-AF65-F5344CB8AC3E}">
+        <p14:creationId xmlns:p14="http://schemas.microsoft.com/office/powerpoint/2010/main" val="1257981967"/>
+      </p:ext>
+    </p:extLst>
+  </p:cSld>
+  <p:clrMapOvr>
+    <a:masterClrMapping/>
+  </p:clrMapOvr>
+</p:sld>
+</file>
+
+<file path=ppt/slides/slide15.xml><?xml version="1.0" encoding="utf-8"?>
+<p:sld xmlns:a="http://schemas.openxmlformats.org/drawingml/2006/main" xmlns:r="http://schemas.openxmlformats.org/officeDocument/2006/relationships" xmlns:p="http://schemas.openxmlformats.org/presentationml/2006/main">
+  <p:cSld>
+    <p:bg>
+      <p:bgPr>
+        <a:solidFill>
+          <a:schemeClr val="bg1">
+            <a:lumMod val="85000"/>
+          </a:schemeClr>
+        </a:solidFill>
+        <a:effectLst/>
+      </p:bgPr>
+    </p:bg>
+    <p:spTree>
+      <p:nvGrpSpPr>
+        <p:cNvPr id="1" name=""/>
+        <p:cNvGrpSpPr/>
+        <p:nvPr/>
+      </p:nvGrpSpPr>
+      <p:grpSpPr>
+        <a:xfrm>
+          <a:off x="0" y="0"/>
+          <a:ext cx="0" cy="0"/>
+          <a:chOff x="0" y="0"/>
+          <a:chExt cx="0" cy="0"/>
+        </a:xfrm>
+      </p:grpSpPr>
+      <p:sp>
+        <p:nvSpPr>
+          <p:cNvPr id="15" name="Rectangle 12">
+            <a:extLst>
+              <a:ext uri="{FF2B5EF4-FFF2-40B4-BE49-F238E27FC236}">
+                <a16:creationId xmlns:a16="http://schemas.microsoft.com/office/drawing/2014/main" id="{867D4867-5BA7-4462-B2F6-A23F4A622AA7}"/>
+              </a:ext>
+              <a:ext uri="{C183D7F6-B498-43B3-948B-1728B52AA6E4}">
+                <adec:decorative xmlns:adec="http://schemas.microsoft.com/office/drawing/2017/decorative" val="1"/>
+              </a:ext>
+            </a:extLst>
+          </p:cNvPr>
+          <p:cNvSpPr>
+            <a:spLocks noGrp="1" noRot="1" noChangeAspect="1" noMove="1" noResize="1" noEditPoints="1" noAdjustHandles="1" noChangeArrowheads="1" noChangeShapeType="1" noTextEdit="1"/>
+          </p:cNvSpPr>
+          <p:nvPr>
+            <p:extLst>
+              <p:ext uri="{386F3935-93C4-4BCD-93E2-E3B085C9AB24}">
+                <p16:designElem xmlns:p16="http://schemas.microsoft.com/office/powerpoint/2015/main" val="1"/>
+              </p:ext>
+            </p:extLst>
+          </p:nvPr>
+        </p:nvSpPr>
+        <p:spPr>
+          <a:xfrm>
+            <a:off x="0" y="0"/>
+            <a:ext cx="3490722" cy="6858000"/>
+          </a:xfrm>
+          <a:prstGeom prst="rect">
+            <a:avLst/>
+          </a:prstGeom>
+          <a:solidFill>
+            <a:schemeClr val="tx1">
+              <a:lumMod val="75000"/>
+              <a:lumOff val="25000"/>
+            </a:schemeClr>
+          </a:solidFill>
+          <a:ln>
+            <a:noFill/>
+          </a:ln>
+        </p:spPr>
+        <p:style>
+          <a:lnRef idx="0">
+            <a:scrgbClr r="0" g="0" b="0"/>
+          </a:lnRef>
+          <a:fillRef idx="0">
+            <a:scrgbClr r="0" g="0" b="0"/>
+          </a:fillRef>
+          <a:effectRef idx="0">
+            <a:scrgbClr r="0" g="0" b="0"/>
+          </a:effectRef>
+          <a:fontRef idx="minor">
+            <a:schemeClr val="lt1"/>
+          </a:fontRef>
+        </p:style>
+        <p:txBody>
+          <a:bodyPr rtlCol="0" anchor="ctr"/>
+          <a:lstStyle/>
+          <a:p>
             <a:pPr algn="ctr"/>
             <a:endParaRPr lang="en-US"/>
           </a:p>
@@ -12277,7 +12644,7 @@
                 <a:ea typeface="+mj-ea"/>
                 <a:cs typeface="+mj-cs"/>
               </a:rPr>
-              <a:t>Part 4</a:t>
+              <a:t>Part 3</a:t>
             </a:r>
             <a:br>
               <a:rPr lang="en-US" sz="2400" kern="1200" dirty="0">
@@ -12701,7 +13068,7 @@
                 <a:ea typeface="+mj-ea"/>
                 <a:cs typeface="+mj-cs"/>
               </a:rPr>
-              <a:t>Part 4</a:t>
+              <a:t>Part 3</a:t>
             </a:r>
             <a:br>
               <a:rPr lang="en-US" sz="2400" kern="1200" dirty="0">
@@ -13165,7 +13532,7 @@
                 <a:ea typeface="+mj-ea"/>
                 <a:cs typeface="+mj-cs"/>
               </a:rPr>
-              <a:t>Part 4</a:t>
+              <a:t>Part 3</a:t>
             </a:r>
             <a:br>
               <a:rPr lang="en-US" sz="2400" kern="1200" dirty="0">
@@ -13528,7 +13895,7 @@
                 <a:ea typeface="+mj-ea"/>
                 <a:cs typeface="+mj-cs"/>
               </a:rPr>
-              <a:t>Part 4</a:t>
+              <a:t>Part 3</a:t>
             </a:r>
             <a:br>
               <a:rPr lang="en-US" sz="2400" kern="1200" dirty="0">
@@ -13925,7 +14292,7 @@
                 <a:ea typeface="+mj-ea"/>
                 <a:cs typeface="+mj-cs"/>
               </a:rPr>
-              <a:t>Part 4</a:t>
+              <a:t>Part 3</a:t>
             </a:r>
             <a:br>
               <a:rPr lang="en-US" sz="2400" kern="1200" dirty="0">
@@ -14294,6 +14661,12 @@
 </file>
 
 <file path=ppt/tags/tag15.xml><?xml version="1.0" encoding="utf-8"?>
+<p:tagLst xmlns:a="http://schemas.openxmlformats.org/drawingml/2006/main" xmlns:r="http://schemas.openxmlformats.org/officeDocument/2006/relationships" xmlns:p="http://schemas.openxmlformats.org/presentationml/2006/main">
+  <p:tag name="DELIMITERS" val="3.1"/>
+</p:tagLst>
+</file>
+
+<file path=ppt/tags/tag16.xml><?xml version="1.0" encoding="utf-8"?>
 <p:tagLst xmlns:a="http://schemas.openxmlformats.org/drawingml/2006/main" xmlns:r="http://schemas.openxmlformats.org/officeDocument/2006/relationships" xmlns:p="http://schemas.openxmlformats.org/presentationml/2006/main">
   <p:tag name="DELIMITERS" val="3.1"/>
 </p:tagLst>

--- a/Lecture/Final Project 2/Final_Project_2_Lecture.pptx
+++ b/Lecture/Final Project 2/Final_Project_2_Lecture.pptx
@@ -302,7 +302,7 @@
               <a:pPr>
                 <a:defRPr/>
               </a:pPr>
-              <a:t>2/17/2022</a:t>
+              <a:t>7/5/2022</a:t>
             </a:fld>
             <a:endParaRPr lang="en-US" dirty="0"/>
           </a:p>
@@ -514,7 +514,7 @@
               <a:pPr>
                 <a:defRPr/>
               </a:pPr>
-              <a:t>2/17/2022</a:t>
+              <a:t>7/5/2022</a:t>
             </a:fld>
             <a:endParaRPr lang="en-US" dirty="0"/>
           </a:p>
@@ -1033,7 +1033,7 @@
               <a:pPr>
                 <a:defRPr/>
               </a:pPr>
-              <a:t>2/17/2022</a:t>
+              <a:t>7/5/2022</a:t>
             </a:fld>
             <a:endParaRPr lang="en-US" dirty="0"/>
           </a:p>
@@ -1223,7 +1223,7 @@
               <a:pPr>
                 <a:defRPr/>
               </a:pPr>
-              <a:t>2/17/2022</a:t>
+              <a:t>7/5/2022</a:t>
             </a:fld>
             <a:endParaRPr lang="en-US" dirty="0"/>
           </a:p>
@@ -1423,7 +1423,7 @@
               <a:pPr>
                 <a:defRPr/>
               </a:pPr>
-              <a:t>2/17/2022</a:t>
+              <a:t>7/5/2022</a:t>
             </a:fld>
             <a:endParaRPr lang="en-US" dirty="0"/>
           </a:p>
@@ -1691,7 +1691,7 @@
               <a:pPr>
                 <a:defRPr/>
               </a:pPr>
-              <a:t>2/17/2022</a:t>
+              <a:t>7/5/2022</a:t>
             </a:fld>
             <a:endParaRPr lang="en-US" dirty="0">
               <a:solidFill>
@@ -1905,7 +1905,7 @@
               <a:pPr>
                 <a:defRPr/>
               </a:pPr>
-              <a:t>2/17/2022</a:t>
+              <a:t>7/5/2022</a:t>
             </a:fld>
             <a:endParaRPr lang="en-US" dirty="0">
               <a:solidFill>
@@ -2196,7 +2196,7 @@
               <a:pPr>
                 <a:defRPr/>
               </a:pPr>
-              <a:t>2/17/2022</a:t>
+              <a:t>7/5/2022</a:t>
             </a:fld>
             <a:endParaRPr lang="en-US" dirty="0">
               <a:solidFill>
@@ -2527,7 +2527,7 @@
               <a:pPr>
                 <a:defRPr/>
               </a:pPr>
-              <a:t>2/17/2022</a:t>
+              <a:t>7/5/2022</a:t>
             </a:fld>
             <a:endParaRPr lang="en-US" dirty="0">
               <a:solidFill>
@@ -2992,7 +2992,7 @@
               <a:pPr>
                 <a:defRPr/>
               </a:pPr>
-              <a:t>2/17/2022</a:t>
+              <a:t>7/5/2022</a:t>
             </a:fld>
             <a:endParaRPr lang="en-US" dirty="0">
               <a:solidFill>
@@ -3155,7 +3155,7 @@
               <a:pPr>
                 <a:defRPr/>
               </a:pPr>
-              <a:t>2/17/2022</a:t>
+              <a:t>7/5/2022</a:t>
             </a:fld>
             <a:endParaRPr lang="en-US" dirty="0">
               <a:solidFill>
@@ -3296,7 +3296,7 @@
               <a:pPr>
                 <a:defRPr/>
               </a:pPr>
-              <a:t>2/17/2022</a:t>
+              <a:t>7/5/2022</a:t>
             </a:fld>
             <a:endParaRPr lang="en-US" dirty="0">
               <a:solidFill>
@@ -3617,7 +3617,7 @@
               <a:pPr>
                 <a:defRPr/>
               </a:pPr>
-              <a:t>2/17/2022</a:t>
+              <a:t>7/5/2022</a:t>
             </a:fld>
             <a:endParaRPr lang="en-US" dirty="0">
               <a:solidFill>
@@ -3825,7 +3825,7 @@
               <a:pPr>
                 <a:defRPr/>
               </a:pPr>
-              <a:t>2/17/2022</a:t>
+              <a:t>7/5/2022</a:t>
             </a:fld>
             <a:endParaRPr lang="en-US" dirty="0"/>
           </a:p>
@@ -4108,7 +4108,7 @@
               <a:pPr>
                 <a:defRPr/>
               </a:pPr>
-              <a:t>2/17/2022</a:t>
+              <a:t>7/5/2022</a:t>
             </a:fld>
             <a:endParaRPr lang="en-US" dirty="0">
               <a:solidFill>
@@ -4322,7 +4322,7 @@
               <a:pPr>
                 <a:defRPr/>
               </a:pPr>
-              <a:t>2/17/2022</a:t>
+              <a:t>7/5/2022</a:t>
             </a:fld>
             <a:endParaRPr lang="en-US" dirty="0">
               <a:solidFill>
@@ -4546,7 +4546,7 @@
               <a:pPr>
                 <a:defRPr/>
               </a:pPr>
-              <a:t>2/17/2022</a:t>
+              <a:t>7/5/2022</a:t>
             </a:fld>
             <a:endParaRPr lang="en-US" dirty="0">
               <a:solidFill>
@@ -4756,7 +4756,7 @@
               <a:pPr>
                 <a:defRPr/>
               </a:pPr>
-              <a:t>2/17/2022</a:t>
+              <a:t>7/5/2022</a:t>
             </a:fld>
             <a:endParaRPr lang="en-US" dirty="0">
               <a:solidFill>
@@ -5033,7 +5033,7 @@
               <a:pPr>
                 <a:defRPr/>
               </a:pPr>
-              <a:t>2/17/2022</a:t>
+              <a:t>7/5/2022</a:t>
             </a:fld>
             <a:endParaRPr lang="en-US" dirty="0"/>
           </a:p>
@@ -5340,7 +5340,7 @@
               <a:pPr>
                 <a:defRPr/>
               </a:pPr>
-              <a:t>2/17/2022</a:t>
+              <a:t>7/5/2022</a:t>
             </a:fld>
             <a:endParaRPr lang="en-US" dirty="0"/>
           </a:p>
@@ -5781,7 +5781,7 @@
               <a:pPr>
                 <a:defRPr/>
               </a:pPr>
-              <a:t>2/17/2022</a:t>
+              <a:t>7/5/2022</a:t>
             </a:fld>
             <a:endParaRPr lang="en-US" dirty="0"/>
           </a:p>
@@ -5920,7 +5920,7 @@
               <a:pPr>
                 <a:defRPr/>
               </a:pPr>
-              <a:t>2/17/2022</a:t>
+              <a:t>7/5/2022</a:t>
             </a:fld>
             <a:endParaRPr lang="en-US" dirty="0"/>
           </a:p>
@@ -6037,7 +6037,7 @@
               <a:pPr>
                 <a:defRPr/>
               </a:pPr>
-              <a:t>2/17/2022</a:t>
+              <a:t>7/5/2022</a:t>
             </a:fld>
             <a:endParaRPr lang="en-US" dirty="0"/>
           </a:p>
@@ -6334,7 +6334,7 @@
               <a:pPr>
                 <a:defRPr/>
               </a:pPr>
-              <a:t>2/17/2022</a:t>
+              <a:t>7/5/2022</a:t>
             </a:fld>
             <a:endParaRPr lang="en-US" dirty="0"/>
           </a:p>
@@ -6611,7 +6611,7 @@
               <a:pPr>
                 <a:defRPr/>
               </a:pPr>
-              <a:t>2/17/2022</a:t>
+              <a:t>7/5/2022</a:t>
             </a:fld>
             <a:endParaRPr lang="en-US" dirty="0"/>
           </a:p>
@@ -6868,7 +6868,7 @@
               <a:pPr>
                 <a:defRPr/>
               </a:pPr>
-              <a:t>2/17/2022</a:t>
+              <a:t>7/5/2022</a:t>
             </a:fld>
             <a:endParaRPr lang="en-US" dirty="0"/>
           </a:p>
@@ -7578,7 +7578,7 @@
               <a:pPr>
                 <a:defRPr/>
               </a:pPr>
-              <a:t>2/17/2022</a:t>
+              <a:t>7/5/2022</a:t>
             </a:fld>
             <a:endParaRPr lang="en-US" dirty="0">
               <a:solidFill>
@@ -9559,7 +9559,7 @@
         <p:spPr>
           <a:xfrm>
             <a:off x="3962400" y="643467"/>
-            <a:ext cx="5029200" cy="5632311"/>
+            <a:ext cx="5029200" cy="5262979"/>
           </a:xfrm>
           <a:prstGeom prst="rect">
             <a:avLst/>
@@ -9713,7 +9713,7 @@
                   <a:srgbClr val="404040"/>
                 </a:solidFill>
               </a:rPr>
-              <a:t>Explanation of Methods</a:t>
+              <a:t>Explanation of Data</a:t>
             </a:r>
           </a:p>
           <a:p>
@@ -9727,7 +9727,7 @@
                   <a:srgbClr val="404040"/>
                 </a:solidFill>
               </a:rPr>
-              <a:t>Organization of Content</a:t>
+              <a:t>Explanation of Methods</a:t>
             </a:r>
           </a:p>
           <a:p>
@@ -9741,21 +9741,7 @@
                   <a:srgbClr val="404040"/>
                 </a:solidFill>
               </a:rPr>
-              <a:t>Eye Contact/Body Language</a:t>
-            </a:r>
-          </a:p>
-          <a:p>
-            <a:pPr marL="800100" lvl="1" indent="-342900">
-              <a:buFont typeface="Arial" panose="020B0604020202020204" pitchFamily="34" charset="0"/>
-              <a:buChar char="•"/>
-            </a:pPr>
-            <a:r>
-              <a:rPr lang="en-US" dirty="0">
-                <a:solidFill>
-                  <a:srgbClr val="404040"/>
-                </a:solidFill>
-              </a:rPr>
-              <a:t>Slide Quality</a:t>
+              <a:t>Organization of Content</a:t>
             </a:r>
           </a:p>
         </p:txBody>

--- a/Lecture/Final Project 2/Final_Project_2_Lecture.pptx
+++ b/Lecture/Final Project 2/Final_Project_2_Lecture.pptx
@@ -302,7 +302,7 @@
               <a:pPr>
                 <a:defRPr/>
               </a:pPr>
-              <a:t>7/5/2022</a:t>
+              <a:t>2/26/2023</a:t>
             </a:fld>
             <a:endParaRPr lang="en-US" dirty="0"/>
           </a:p>
@@ -514,7 +514,7 @@
               <a:pPr>
                 <a:defRPr/>
               </a:pPr>
-              <a:t>7/5/2022</a:t>
+              <a:t>2/26/2023</a:t>
             </a:fld>
             <a:endParaRPr lang="en-US" dirty="0"/>
           </a:p>
@@ -1033,7 +1033,7 @@
               <a:pPr>
                 <a:defRPr/>
               </a:pPr>
-              <a:t>7/5/2022</a:t>
+              <a:t>2/26/2023</a:t>
             </a:fld>
             <a:endParaRPr lang="en-US" dirty="0"/>
           </a:p>
@@ -1223,7 +1223,7 @@
               <a:pPr>
                 <a:defRPr/>
               </a:pPr>
-              <a:t>7/5/2022</a:t>
+              <a:t>2/26/2023</a:t>
             </a:fld>
             <a:endParaRPr lang="en-US" dirty="0"/>
           </a:p>
@@ -1423,7 +1423,7 @@
               <a:pPr>
                 <a:defRPr/>
               </a:pPr>
-              <a:t>7/5/2022</a:t>
+              <a:t>2/26/2023</a:t>
             </a:fld>
             <a:endParaRPr lang="en-US" dirty="0"/>
           </a:p>
@@ -1691,7 +1691,7 @@
               <a:pPr>
                 <a:defRPr/>
               </a:pPr>
-              <a:t>7/5/2022</a:t>
+              <a:t>2/26/2023</a:t>
             </a:fld>
             <a:endParaRPr lang="en-US" dirty="0">
               <a:solidFill>
@@ -1905,7 +1905,7 @@
               <a:pPr>
                 <a:defRPr/>
               </a:pPr>
-              <a:t>7/5/2022</a:t>
+              <a:t>2/26/2023</a:t>
             </a:fld>
             <a:endParaRPr lang="en-US" dirty="0">
               <a:solidFill>
@@ -2196,7 +2196,7 @@
               <a:pPr>
                 <a:defRPr/>
               </a:pPr>
-              <a:t>7/5/2022</a:t>
+              <a:t>2/26/2023</a:t>
             </a:fld>
             <a:endParaRPr lang="en-US" dirty="0">
               <a:solidFill>
@@ -2527,7 +2527,7 @@
               <a:pPr>
                 <a:defRPr/>
               </a:pPr>
-              <a:t>7/5/2022</a:t>
+              <a:t>2/26/2023</a:t>
             </a:fld>
             <a:endParaRPr lang="en-US" dirty="0">
               <a:solidFill>
@@ -2992,7 +2992,7 @@
               <a:pPr>
                 <a:defRPr/>
               </a:pPr>
-              <a:t>7/5/2022</a:t>
+              <a:t>2/26/2023</a:t>
             </a:fld>
             <a:endParaRPr lang="en-US" dirty="0">
               <a:solidFill>
@@ -3155,7 +3155,7 @@
               <a:pPr>
                 <a:defRPr/>
               </a:pPr>
-              <a:t>7/5/2022</a:t>
+              <a:t>2/26/2023</a:t>
             </a:fld>
             <a:endParaRPr lang="en-US" dirty="0">
               <a:solidFill>
@@ -3296,7 +3296,7 @@
               <a:pPr>
                 <a:defRPr/>
               </a:pPr>
-              <a:t>7/5/2022</a:t>
+              <a:t>2/26/2023</a:t>
             </a:fld>
             <a:endParaRPr lang="en-US" dirty="0">
               <a:solidFill>
@@ -3617,7 +3617,7 @@
               <a:pPr>
                 <a:defRPr/>
               </a:pPr>
-              <a:t>7/5/2022</a:t>
+              <a:t>2/26/2023</a:t>
             </a:fld>
             <a:endParaRPr lang="en-US" dirty="0">
               <a:solidFill>
@@ -3825,7 +3825,7 @@
               <a:pPr>
                 <a:defRPr/>
               </a:pPr>
-              <a:t>7/5/2022</a:t>
+              <a:t>2/26/2023</a:t>
             </a:fld>
             <a:endParaRPr lang="en-US" dirty="0"/>
           </a:p>
@@ -4108,7 +4108,7 @@
               <a:pPr>
                 <a:defRPr/>
               </a:pPr>
-              <a:t>7/5/2022</a:t>
+              <a:t>2/26/2023</a:t>
             </a:fld>
             <a:endParaRPr lang="en-US" dirty="0">
               <a:solidFill>
@@ -4322,7 +4322,7 @@
               <a:pPr>
                 <a:defRPr/>
               </a:pPr>
-              <a:t>7/5/2022</a:t>
+              <a:t>2/26/2023</a:t>
             </a:fld>
             <a:endParaRPr lang="en-US" dirty="0">
               <a:solidFill>
@@ -4546,7 +4546,7 @@
               <a:pPr>
                 <a:defRPr/>
               </a:pPr>
-              <a:t>7/5/2022</a:t>
+              <a:t>2/26/2023</a:t>
             </a:fld>
             <a:endParaRPr lang="en-US" dirty="0">
               <a:solidFill>
@@ -4756,7 +4756,7 @@
               <a:pPr>
                 <a:defRPr/>
               </a:pPr>
-              <a:t>7/5/2022</a:t>
+              <a:t>2/26/2023</a:t>
             </a:fld>
             <a:endParaRPr lang="en-US" dirty="0">
               <a:solidFill>
@@ -5033,7 +5033,7 @@
               <a:pPr>
                 <a:defRPr/>
               </a:pPr>
-              <a:t>7/5/2022</a:t>
+              <a:t>2/26/2023</a:t>
             </a:fld>
             <a:endParaRPr lang="en-US" dirty="0"/>
           </a:p>
@@ -5340,7 +5340,7 @@
               <a:pPr>
                 <a:defRPr/>
               </a:pPr>
-              <a:t>7/5/2022</a:t>
+              <a:t>2/26/2023</a:t>
             </a:fld>
             <a:endParaRPr lang="en-US" dirty="0"/>
           </a:p>
@@ -5781,7 +5781,7 @@
               <a:pPr>
                 <a:defRPr/>
               </a:pPr>
-              <a:t>7/5/2022</a:t>
+              <a:t>2/26/2023</a:t>
             </a:fld>
             <a:endParaRPr lang="en-US" dirty="0"/>
           </a:p>
@@ -5920,7 +5920,7 @@
               <a:pPr>
                 <a:defRPr/>
               </a:pPr>
-              <a:t>7/5/2022</a:t>
+              <a:t>2/26/2023</a:t>
             </a:fld>
             <a:endParaRPr lang="en-US" dirty="0"/>
           </a:p>
@@ -6037,7 +6037,7 @@
               <a:pPr>
                 <a:defRPr/>
               </a:pPr>
-              <a:t>7/5/2022</a:t>
+              <a:t>2/26/2023</a:t>
             </a:fld>
             <a:endParaRPr lang="en-US" dirty="0"/>
           </a:p>
@@ -6334,7 +6334,7 @@
               <a:pPr>
                 <a:defRPr/>
               </a:pPr>
-              <a:t>7/5/2022</a:t>
+              <a:t>2/26/2023</a:t>
             </a:fld>
             <a:endParaRPr lang="en-US" dirty="0"/>
           </a:p>
@@ -6611,7 +6611,7 @@
               <a:pPr>
                 <a:defRPr/>
               </a:pPr>
-              <a:t>7/5/2022</a:t>
+              <a:t>2/26/2023</a:t>
             </a:fld>
             <a:endParaRPr lang="en-US" dirty="0"/>
           </a:p>
@@ -6868,7 +6868,7 @@
               <a:pPr>
                 <a:defRPr/>
               </a:pPr>
-              <a:t>7/5/2022</a:t>
+              <a:t>2/26/2023</a:t>
             </a:fld>
             <a:endParaRPr lang="en-US" dirty="0"/>
           </a:p>
@@ -7578,7 +7578,7 @@
               <a:pPr>
                 <a:defRPr/>
               </a:pPr>
-              <a:t>7/5/2022</a:t>
+              <a:t>2/26/2023</a:t>
             </a:fld>
             <a:endParaRPr lang="en-US" dirty="0">
               <a:solidFill>
@@ -8732,7 +8732,7 @@
                   <a:srgbClr val="404040"/>
                 </a:solidFill>
               </a:rPr>
-              <a:t>Submit on Sakai </a:t>
+              <a:t>Submit on Canvas </a:t>
             </a:r>
           </a:p>
           <a:p>
@@ -10127,7 +10127,23 @@
                   <a:srgbClr val="404040"/>
                 </a:solidFill>
               </a:rPr>
-              <a:t>Submit Slides on Sakai (D)</a:t>
+              <a:t>Submit Slides </a:t>
+            </a:r>
+            <a:r>
+              <a:rPr lang="en-US">
+                <a:solidFill>
+                  <a:srgbClr val="404040"/>
+                </a:solidFill>
+              </a:rPr>
+              <a:t>on Canvas </a:t>
+            </a:r>
+            <a:r>
+              <a:rPr lang="en-US" dirty="0">
+                <a:solidFill>
+                  <a:srgbClr val="404040"/>
+                </a:solidFill>
+              </a:rPr>
+              <a:t>(D)</a:t>
             </a:r>
           </a:p>
           <a:p>
@@ -11811,7 +11827,7 @@
         <p:spPr>
           <a:xfrm>
             <a:off x="3962400" y="645037"/>
-            <a:ext cx="5181600" cy="5262979"/>
+            <a:ext cx="5181600" cy="4524315"/>
           </a:xfrm>
           <a:prstGeom prst="rect">
             <a:avLst/>
@@ -11927,20 +11943,6 @@
                 </a:solidFill>
               </a:rPr>
               <a:t>A Member has Avoided Work</a:t>
-            </a:r>
-          </a:p>
-          <a:p>
-            <a:pPr marL="800100" lvl="1" indent="-342900">
-              <a:buFont typeface="Arial" panose="020B0604020202020204" pitchFamily="34" charset="0"/>
-              <a:buChar char="•"/>
-            </a:pPr>
-            <a:r>
-              <a:rPr lang="en-US" dirty="0">
-                <a:solidFill>
-                  <a:srgbClr val="404040"/>
-                </a:solidFill>
-              </a:rPr>
-              <a:t>A Member has Been Utterly Useless</a:t>
             </a:r>
           </a:p>
           <a:p>

--- a/Lecture/Final Project 2/Final_Project_2_Lecture.pptx
+++ b/Lecture/Final Project 2/Final_Project_2_Lecture.pptx
@@ -302,7 +302,7 @@
               <a:pPr>
                 <a:defRPr/>
               </a:pPr>
-              <a:t>2/26/2023</a:t>
+              <a:t>7/9/2023</a:t>
             </a:fld>
             <a:endParaRPr lang="en-US" dirty="0"/>
           </a:p>
@@ -514,7 +514,7 @@
               <a:pPr>
                 <a:defRPr/>
               </a:pPr>
-              <a:t>2/26/2023</a:t>
+              <a:t>7/9/2023</a:t>
             </a:fld>
             <a:endParaRPr lang="en-US" dirty="0"/>
           </a:p>
@@ -1033,7 +1033,7 @@
               <a:pPr>
                 <a:defRPr/>
               </a:pPr>
-              <a:t>2/26/2023</a:t>
+              <a:t>7/9/2023</a:t>
             </a:fld>
             <a:endParaRPr lang="en-US" dirty="0"/>
           </a:p>
@@ -1223,7 +1223,7 @@
               <a:pPr>
                 <a:defRPr/>
               </a:pPr>
-              <a:t>2/26/2023</a:t>
+              <a:t>7/9/2023</a:t>
             </a:fld>
             <a:endParaRPr lang="en-US" dirty="0"/>
           </a:p>
@@ -1423,7 +1423,7 @@
               <a:pPr>
                 <a:defRPr/>
               </a:pPr>
-              <a:t>2/26/2023</a:t>
+              <a:t>7/9/2023</a:t>
             </a:fld>
             <a:endParaRPr lang="en-US" dirty="0"/>
           </a:p>
@@ -1691,7 +1691,7 @@
               <a:pPr>
                 <a:defRPr/>
               </a:pPr>
-              <a:t>2/26/2023</a:t>
+              <a:t>7/9/2023</a:t>
             </a:fld>
             <a:endParaRPr lang="en-US" dirty="0">
               <a:solidFill>
@@ -1905,7 +1905,7 @@
               <a:pPr>
                 <a:defRPr/>
               </a:pPr>
-              <a:t>2/26/2023</a:t>
+              <a:t>7/9/2023</a:t>
             </a:fld>
             <a:endParaRPr lang="en-US" dirty="0">
               <a:solidFill>
@@ -2196,7 +2196,7 @@
               <a:pPr>
                 <a:defRPr/>
               </a:pPr>
-              <a:t>2/26/2023</a:t>
+              <a:t>7/9/2023</a:t>
             </a:fld>
             <a:endParaRPr lang="en-US" dirty="0">
               <a:solidFill>
@@ -2527,7 +2527,7 @@
               <a:pPr>
                 <a:defRPr/>
               </a:pPr>
-              <a:t>2/26/2023</a:t>
+              <a:t>7/9/2023</a:t>
             </a:fld>
             <a:endParaRPr lang="en-US" dirty="0">
               <a:solidFill>
@@ -2992,7 +2992,7 @@
               <a:pPr>
                 <a:defRPr/>
               </a:pPr>
-              <a:t>2/26/2023</a:t>
+              <a:t>7/9/2023</a:t>
             </a:fld>
             <a:endParaRPr lang="en-US" dirty="0">
               <a:solidFill>
@@ -3155,7 +3155,7 @@
               <a:pPr>
                 <a:defRPr/>
               </a:pPr>
-              <a:t>2/26/2023</a:t>
+              <a:t>7/9/2023</a:t>
             </a:fld>
             <a:endParaRPr lang="en-US" dirty="0">
               <a:solidFill>
@@ -3296,7 +3296,7 @@
               <a:pPr>
                 <a:defRPr/>
               </a:pPr>
-              <a:t>2/26/2023</a:t>
+              <a:t>7/9/2023</a:t>
             </a:fld>
             <a:endParaRPr lang="en-US" dirty="0">
               <a:solidFill>
@@ -3617,7 +3617,7 @@
               <a:pPr>
                 <a:defRPr/>
               </a:pPr>
-              <a:t>2/26/2023</a:t>
+              <a:t>7/9/2023</a:t>
             </a:fld>
             <a:endParaRPr lang="en-US" dirty="0">
               <a:solidFill>
@@ -3825,7 +3825,7 @@
               <a:pPr>
                 <a:defRPr/>
               </a:pPr>
-              <a:t>2/26/2023</a:t>
+              <a:t>7/9/2023</a:t>
             </a:fld>
             <a:endParaRPr lang="en-US" dirty="0"/>
           </a:p>
@@ -4108,7 +4108,7 @@
               <a:pPr>
                 <a:defRPr/>
               </a:pPr>
-              <a:t>2/26/2023</a:t>
+              <a:t>7/9/2023</a:t>
             </a:fld>
             <a:endParaRPr lang="en-US" dirty="0">
               <a:solidFill>
@@ -4322,7 +4322,7 @@
               <a:pPr>
                 <a:defRPr/>
               </a:pPr>
-              <a:t>2/26/2023</a:t>
+              <a:t>7/9/2023</a:t>
             </a:fld>
             <a:endParaRPr lang="en-US" dirty="0">
               <a:solidFill>
@@ -4546,7 +4546,7 @@
               <a:pPr>
                 <a:defRPr/>
               </a:pPr>
-              <a:t>2/26/2023</a:t>
+              <a:t>7/9/2023</a:t>
             </a:fld>
             <a:endParaRPr lang="en-US" dirty="0">
               <a:solidFill>
@@ -4756,7 +4756,7 @@
               <a:pPr>
                 <a:defRPr/>
               </a:pPr>
-              <a:t>2/26/2023</a:t>
+              <a:t>7/9/2023</a:t>
             </a:fld>
             <a:endParaRPr lang="en-US" dirty="0">
               <a:solidFill>
@@ -5033,7 +5033,7 @@
               <a:pPr>
                 <a:defRPr/>
               </a:pPr>
-              <a:t>2/26/2023</a:t>
+              <a:t>7/9/2023</a:t>
             </a:fld>
             <a:endParaRPr lang="en-US" dirty="0"/>
           </a:p>
@@ -5340,7 +5340,7 @@
               <a:pPr>
                 <a:defRPr/>
               </a:pPr>
-              <a:t>2/26/2023</a:t>
+              <a:t>7/9/2023</a:t>
             </a:fld>
             <a:endParaRPr lang="en-US" dirty="0"/>
           </a:p>
@@ -5781,7 +5781,7 @@
               <a:pPr>
                 <a:defRPr/>
               </a:pPr>
-              <a:t>2/26/2023</a:t>
+              <a:t>7/9/2023</a:t>
             </a:fld>
             <a:endParaRPr lang="en-US" dirty="0"/>
           </a:p>
@@ -5920,7 +5920,7 @@
               <a:pPr>
                 <a:defRPr/>
               </a:pPr>
-              <a:t>2/26/2023</a:t>
+              <a:t>7/9/2023</a:t>
             </a:fld>
             <a:endParaRPr lang="en-US" dirty="0"/>
           </a:p>
@@ -6037,7 +6037,7 @@
               <a:pPr>
                 <a:defRPr/>
               </a:pPr>
-              <a:t>2/26/2023</a:t>
+              <a:t>7/9/2023</a:t>
             </a:fld>
             <a:endParaRPr lang="en-US" dirty="0"/>
           </a:p>
@@ -6334,7 +6334,7 @@
               <a:pPr>
                 <a:defRPr/>
               </a:pPr>
-              <a:t>2/26/2023</a:t>
+              <a:t>7/9/2023</a:t>
             </a:fld>
             <a:endParaRPr lang="en-US" dirty="0"/>
           </a:p>
@@ -6611,7 +6611,7 @@
               <a:pPr>
                 <a:defRPr/>
               </a:pPr>
-              <a:t>2/26/2023</a:t>
+              <a:t>7/9/2023</a:t>
             </a:fld>
             <a:endParaRPr lang="en-US" dirty="0"/>
           </a:p>
@@ -6868,7 +6868,7 @@
               <a:pPr>
                 <a:defRPr/>
               </a:pPr>
-              <a:t>2/26/2023</a:t>
+              <a:t>7/9/2023</a:t>
             </a:fld>
             <a:endParaRPr lang="en-US" dirty="0"/>
           </a:p>
@@ -7578,7 +7578,7 @@
               <a:pPr>
                 <a:defRPr/>
               </a:pPr>
-              <a:t>2/26/2023</a:t>
+              <a:t>7/9/2023</a:t>
             </a:fld>
             <a:endParaRPr lang="en-US" dirty="0">
               <a:solidFill>

--- a/Lecture/Final Project 2/Final_Project_2_Lecture.pptx
+++ b/Lecture/Final Project 2/Final_Project_2_Lecture.pptx
@@ -302,7 +302,7 @@
               <a:pPr>
                 <a:defRPr/>
               </a:pPr>
-              <a:t>7/9/2023</a:t>
+              <a:t>7/11/2023</a:t>
             </a:fld>
             <a:endParaRPr lang="en-US" dirty="0"/>
           </a:p>
@@ -514,7 +514,7 @@
               <a:pPr>
                 <a:defRPr/>
               </a:pPr>
-              <a:t>7/9/2023</a:t>
+              <a:t>7/11/2023</a:t>
             </a:fld>
             <a:endParaRPr lang="en-US" dirty="0"/>
           </a:p>
@@ -1033,7 +1033,7 @@
               <a:pPr>
                 <a:defRPr/>
               </a:pPr>
-              <a:t>7/9/2023</a:t>
+              <a:t>7/11/2023</a:t>
             </a:fld>
             <a:endParaRPr lang="en-US" dirty="0"/>
           </a:p>
@@ -1223,7 +1223,7 @@
               <a:pPr>
                 <a:defRPr/>
               </a:pPr>
-              <a:t>7/9/2023</a:t>
+              <a:t>7/11/2023</a:t>
             </a:fld>
             <a:endParaRPr lang="en-US" dirty="0"/>
           </a:p>
@@ -1423,7 +1423,7 @@
               <a:pPr>
                 <a:defRPr/>
               </a:pPr>
-              <a:t>7/9/2023</a:t>
+              <a:t>7/11/2023</a:t>
             </a:fld>
             <a:endParaRPr lang="en-US" dirty="0"/>
           </a:p>
@@ -1691,7 +1691,7 @@
               <a:pPr>
                 <a:defRPr/>
               </a:pPr>
-              <a:t>7/9/2023</a:t>
+              <a:t>7/11/2023</a:t>
             </a:fld>
             <a:endParaRPr lang="en-US" dirty="0">
               <a:solidFill>
@@ -1905,7 +1905,7 @@
               <a:pPr>
                 <a:defRPr/>
               </a:pPr>
-              <a:t>7/9/2023</a:t>
+              <a:t>7/11/2023</a:t>
             </a:fld>
             <a:endParaRPr lang="en-US" dirty="0">
               <a:solidFill>
@@ -2196,7 +2196,7 @@
               <a:pPr>
                 <a:defRPr/>
               </a:pPr>
-              <a:t>7/9/2023</a:t>
+              <a:t>7/11/2023</a:t>
             </a:fld>
             <a:endParaRPr lang="en-US" dirty="0">
               <a:solidFill>
@@ -2527,7 +2527,7 @@
               <a:pPr>
                 <a:defRPr/>
               </a:pPr>
-              <a:t>7/9/2023</a:t>
+              <a:t>7/11/2023</a:t>
             </a:fld>
             <a:endParaRPr lang="en-US" dirty="0">
               <a:solidFill>
@@ -2992,7 +2992,7 @@
               <a:pPr>
                 <a:defRPr/>
               </a:pPr>
-              <a:t>7/9/2023</a:t>
+              <a:t>7/11/2023</a:t>
             </a:fld>
             <a:endParaRPr lang="en-US" dirty="0">
               <a:solidFill>
@@ -3155,7 +3155,7 @@
               <a:pPr>
                 <a:defRPr/>
               </a:pPr>
-              <a:t>7/9/2023</a:t>
+              <a:t>7/11/2023</a:t>
             </a:fld>
             <a:endParaRPr lang="en-US" dirty="0">
               <a:solidFill>
@@ -3296,7 +3296,7 @@
               <a:pPr>
                 <a:defRPr/>
               </a:pPr>
-              <a:t>7/9/2023</a:t>
+              <a:t>7/11/2023</a:t>
             </a:fld>
             <a:endParaRPr lang="en-US" dirty="0">
               <a:solidFill>
@@ -3617,7 +3617,7 @@
               <a:pPr>
                 <a:defRPr/>
               </a:pPr>
-              <a:t>7/9/2023</a:t>
+              <a:t>7/11/2023</a:t>
             </a:fld>
             <a:endParaRPr lang="en-US" dirty="0">
               <a:solidFill>
@@ -3825,7 +3825,7 @@
               <a:pPr>
                 <a:defRPr/>
               </a:pPr>
-              <a:t>7/9/2023</a:t>
+              <a:t>7/11/2023</a:t>
             </a:fld>
             <a:endParaRPr lang="en-US" dirty="0"/>
           </a:p>
@@ -4108,7 +4108,7 @@
               <a:pPr>
                 <a:defRPr/>
               </a:pPr>
-              <a:t>7/9/2023</a:t>
+              <a:t>7/11/2023</a:t>
             </a:fld>
             <a:endParaRPr lang="en-US" dirty="0">
               <a:solidFill>
@@ -4322,7 +4322,7 @@
               <a:pPr>
                 <a:defRPr/>
               </a:pPr>
-              <a:t>7/9/2023</a:t>
+              <a:t>7/11/2023</a:t>
             </a:fld>
             <a:endParaRPr lang="en-US" dirty="0">
               <a:solidFill>
@@ -4546,7 +4546,7 @@
               <a:pPr>
                 <a:defRPr/>
               </a:pPr>
-              <a:t>7/9/2023</a:t>
+              <a:t>7/11/2023</a:t>
             </a:fld>
             <a:endParaRPr lang="en-US" dirty="0">
               <a:solidFill>
@@ -4756,7 +4756,7 @@
               <a:pPr>
                 <a:defRPr/>
               </a:pPr>
-              <a:t>7/9/2023</a:t>
+              <a:t>7/11/2023</a:t>
             </a:fld>
             <a:endParaRPr lang="en-US" dirty="0">
               <a:solidFill>
@@ -5033,7 +5033,7 @@
               <a:pPr>
                 <a:defRPr/>
               </a:pPr>
-              <a:t>7/9/2023</a:t>
+              <a:t>7/11/2023</a:t>
             </a:fld>
             <a:endParaRPr lang="en-US" dirty="0"/>
           </a:p>
@@ -5340,7 +5340,7 @@
               <a:pPr>
                 <a:defRPr/>
               </a:pPr>
-              <a:t>7/9/2023</a:t>
+              <a:t>7/11/2023</a:t>
             </a:fld>
             <a:endParaRPr lang="en-US" dirty="0"/>
           </a:p>
@@ -5781,7 +5781,7 @@
               <a:pPr>
                 <a:defRPr/>
               </a:pPr>
-              <a:t>7/9/2023</a:t>
+              <a:t>7/11/2023</a:t>
             </a:fld>
             <a:endParaRPr lang="en-US" dirty="0"/>
           </a:p>
@@ -5920,7 +5920,7 @@
               <a:pPr>
                 <a:defRPr/>
               </a:pPr>
-              <a:t>7/9/2023</a:t>
+              <a:t>7/11/2023</a:t>
             </a:fld>
             <a:endParaRPr lang="en-US" dirty="0"/>
           </a:p>
@@ -6037,7 +6037,7 @@
               <a:pPr>
                 <a:defRPr/>
               </a:pPr>
-              <a:t>7/9/2023</a:t>
+              <a:t>7/11/2023</a:t>
             </a:fld>
             <a:endParaRPr lang="en-US" dirty="0"/>
           </a:p>
@@ -6334,7 +6334,7 @@
               <a:pPr>
                 <a:defRPr/>
               </a:pPr>
-              <a:t>7/9/2023</a:t>
+              <a:t>7/11/2023</a:t>
             </a:fld>
             <a:endParaRPr lang="en-US" dirty="0"/>
           </a:p>
@@ -6611,7 +6611,7 @@
               <a:pPr>
                 <a:defRPr/>
               </a:pPr>
-              <a:t>7/9/2023</a:t>
+              <a:t>7/11/2023</a:t>
             </a:fld>
             <a:endParaRPr lang="en-US" dirty="0"/>
           </a:p>
@@ -6868,7 +6868,7 @@
               <a:pPr>
                 <a:defRPr/>
               </a:pPr>
-              <a:t>7/9/2023</a:t>
+              <a:t>7/11/2023</a:t>
             </a:fld>
             <a:endParaRPr lang="en-US" dirty="0"/>
           </a:p>
@@ -7578,7 +7578,7 @@
               <a:pPr>
                 <a:defRPr/>
               </a:pPr>
-              <a:t>7/9/2023</a:t>
+              <a:t>7/11/2023</a:t>
             </a:fld>
             <a:endParaRPr lang="en-US" dirty="0">
               <a:solidFill>
@@ -11437,7 +11437,7 @@
         <p:spPr>
           <a:xfrm>
             <a:off x="3962400" y="645037"/>
-            <a:ext cx="5181600" cy="4893647"/>
+            <a:ext cx="5181600" cy="5632311"/>
           </a:xfrm>
           <a:prstGeom prst="rect">
             <a:avLst/>
@@ -11567,6 +11567,20 @@
                 </a:solidFill>
               </a:rPr>
               <a:t>Narrow Down All Work to Two Questions of Interest</a:t>
+            </a:r>
+          </a:p>
+          <a:p>
+            <a:pPr marL="800100" lvl="1" indent="-342900">
+              <a:buFont typeface="Arial" panose="020B0604020202020204" pitchFamily="34" charset="0"/>
+              <a:buChar char="•"/>
+            </a:pPr>
+            <a:r>
+              <a:rPr lang="en-US" dirty="0">
+                <a:solidFill>
+                  <a:srgbClr val="404040"/>
+                </a:solidFill>
+              </a:rPr>
+              <a:t>Questions Should Be About Prediction</a:t>
             </a:r>
           </a:p>
           <a:p>

--- a/Lecture/Final Project 2/Final_Project_2_Lecture.pptx
+++ b/Lecture/Final Project 2/Final_Project_2_Lecture.pptx
@@ -302,7 +302,7 @@
               <a:pPr>
                 <a:defRPr/>
               </a:pPr>
-              <a:t>7/11/2023</a:t>
+              <a:t>10/11/2023</a:t>
             </a:fld>
             <a:endParaRPr lang="en-US" dirty="0"/>
           </a:p>
@@ -514,7 +514,7 @@
               <a:pPr>
                 <a:defRPr/>
               </a:pPr>
-              <a:t>7/11/2023</a:t>
+              <a:t>10/11/2023</a:t>
             </a:fld>
             <a:endParaRPr lang="en-US" dirty="0"/>
           </a:p>
@@ -1033,7 +1033,7 @@
               <a:pPr>
                 <a:defRPr/>
               </a:pPr>
-              <a:t>7/11/2023</a:t>
+              <a:t>10/11/2023</a:t>
             </a:fld>
             <a:endParaRPr lang="en-US" dirty="0"/>
           </a:p>
@@ -1223,7 +1223,7 @@
               <a:pPr>
                 <a:defRPr/>
               </a:pPr>
-              <a:t>7/11/2023</a:t>
+              <a:t>10/11/2023</a:t>
             </a:fld>
             <a:endParaRPr lang="en-US" dirty="0"/>
           </a:p>
@@ -1423,7 +1423,7 @@
               <a:pPr>
                 <a:defRPr/>
               </a:pPr>
-              <a:t>7/11/2023</a:t>
+              <a:t>10/11/2023</a:t>
             </a:fld>
             <a:endParaRPr lang="en-US" dirty="0"/>
           </a:p>
@@ -1691,7 +1691,7 @@
               <a:pPr>
                 <a:defRPr/>
               </a:pPr>
-              <a:t>7/11/2023</a:t>
+              <a:t>10/11/2023</a:t>
             </a:fld>
             <a:endParaRPr lang="en-US" dirty="0">
               <a:solidFill>
@@ -1905,7 +1905,7 @@
               <a:pPr>
                 <a:defRPr/>
               </a:pPr>
-              <a:t>7/11/2023</a:t>
+              <a:t>10/11/2023</a:t>
             </a:fld>
             <a:endParaRPr lang="en-US" dirty="0">
               <a:solidFill>
@@ -2196,7 +2196,7 @@
               <a:pPr>
                 <a:defRPr/>
               </a:pPr>
-              <a:t>7/11/2023</a:t>
+              <a:t>10/11/2023</a:t>
             </a:fld>
             <a:endParaRPr lang="en-US" dirty="0">
               <a:solidFill>
@@ -2527,7 +2527,7 @@
               <a:pPr>
                 <a:defRPr/>
               </a:pPr>
-              <a:t>7/11/2023</a:t>
+              <a:t>10/11/2023</a:t>
             </a:fld>
             <a:endParaRPr lang="en-US" dirty="0">
               <a:solidFill>
@@ -2992,7 +2992,7 @@
               <a:pPr>
                 <a:defRPr/>
               </a:pPr>
-              <a:t>7/11/2023</a:t>
+              <a:t>10/11/2023</a:t>
             </a:fld>
             <a:endParaRPr lang="en-US" dirty="0">
               <a:solidFill>
@@ -3155,7 +3155,7 @@
               <a:pPr>
                 <a:defRPr/>
               </a:pPr>
-              <a:t>7/11/2023</a:t>
+              <a:t>10/11/2023</a:t>
             </a:fld>
             <a:endParaRPr lang="en-US" dirty="0">
               <a:solidFill>
@@ -3296,7 +3296,7 @@
               <a:pPr>
                 <a:defRPr/>
               </a:pPr>
-              <a:t>7/11/2023</a:t>
+              <a:t>10/11/2023</a:t>
             </a:fld>
             <a:endParaRPr lang="en-US" dirty="0">
               <a:solidFill>
@@ -3617,7 +3617,7 @@
               <a:pPr>
                 <a:defRPr/>
               </a:pPr>
-              <a:t>7/11/2023</a:t>
+              <a:t>10/11/2023</a:t>
             </a:fld>
             <a:endParaRPr lang="en-US" dirty="0">
               <a:solidFill>
@@ -3825,7 +3825,7 @@
               <a:pPr>
                 <a:defRPr/>
               </a:pPr>
-              <a:t>7/11/2023</a:t>
+              <a:t>10/11/2023</a:t>
             </a:fld>
             <a:endParaRPr lang="en-US" dirty="0"/>
           </a:p>
@@ -4108,7 +4108,7 @@
               <a:pPr>
                 <a:defRPr/>
               </a:pPr>
-              <a:t>7/11/2023</a:t>
+              <a:t>10/11/2023</a:t>
             </a:fld>
             <a:endParaRPr lang="en-US" dirty="0">
               <a:solidFill>
@@ -4322,7 +4322,7 @@
               <a:pPr>
                 <a:defRPr/>
               </a:pPr>
-              <a:t>7/11/2023</a:t>
+              <a:t>10/11/2023</a:t>
             </a:fld>
             <a:endParaRPr lang="en-US" dirty="0">
               <a:solidFill>
@@ -4546,7 +4546,7 @@
               <a:pPr>
                 <a:defRPr/>
               </a:pPr>
-              <a:t>7/11/2023</a:t>
+              <a:t>10/11/2023</a:t>
             </a:fld>
             <a:endParaRPr lang="en-US" dirty="0">
               <a:solidFill>
@@ -4756,7 +4756,7 @@
               <a:pPr>
                 <a:defRPr/>
               </a:pPr>
-              <a:t>7/11/2023</a:t>
+              <a:t>10/11/2023</a:t>
             </a:fld>
             <a:endParaRPr lang="en-US" dirty="0">
               <a:solidFill>
@@ -5033,7 +5033,7 @@
               <a:pPr>
                 <a:defRPr/>
               </a:pPr>
-              <a:t>7/11/2023</a:t>
+              <a:t>10/11/2023</a:t>
             </a:fld>
             <a:endParaRPr lang="en-US" dirty="0"/>
           </a:p>
@@ -5340,7 +5340,7 @@
               <a:pPr>
                 <a:defRPr/>
               </a:pPr>
-              <a:t>7/11/2023</a:t>
+              <a:t>10/11/2023</a:t>
             </a:fld>
             <a:endParaRPr lang="en-US" dirty="0"/>
           </a:p>
@@ -5781,7 +5781,7 @@
               <a:pPr>
                 <a:defRPr/>
               </a:pPr>
-              <a:t>7/11/2023</a:t>
+              <a:t>10/11/2023</a:t>
             </a:fld>
             <a:endParaRPr lang="en-US" dirty="0"/>
           </a:p>
@@ -5920,7 +5920,7 @@
               <a:pPr>
                 <a:defRPr/>
               </a:pPr>
-              <a:t>7/11/2023</a:t>
+              <a:t>10/11/2023</a:t>
             </a:fld>
             <a:endParaRPr lang="en-US" dirty="0"/>
           </a:p>
@@ -6037,7 +6037,7 @@
               <a:pPr>
                 <a:defRPr/>
               </a:pPr>
-              <a:t>7/11/2023</a:t>
+              <a:t>10/11/2023</a:t>
             </a:fld>
             <a:endParaRPr lang="en-US" dirty="0"/>
           </a:p>
@@ -6334,7 +6334,7 @@
               <a:pPr>
                 <a:defRPr/>
               </a:pPr>
-              <a:t>7/11/2023</a:t>
+              <a:t>10/11/2023</a:t>
             </a:fld>
             <a:endParaRPr lang="en-US" dirty="0"/>
           </a:p>
@@ -6611,7 +6611,7 @@
               <a:pPr>
                 <a:defRPr/>
               </a:pPr>
-              <a:t>7/11/2023</a:t>
+              <a:t>10/11/2023</a:t>
             </a:fld>
             <a:endParaRPr lang="en-US" dirty="0"/>
           </a:p>
@@ -6868,7 +6868,7 @@
               <a:pPr>
                 <a:defRPr/>
               </a:pPr>
-              <a:t>7/11/2023</a:t>
+              <a:t>10/11/2023</a:t>
             </a:fld>
             <a:endParaRPr lang="en-US" dirty="0"/>
           </a:p>
@@ -7578,7 +7578,7 @@
               <a:pPr>
                 <a:defRPr/>
               </a:pPr>
-              <a:t>7/11/2023</a:t>
+              <a:t>10/11/2023</a:t>
             </a:fld>
             <a:endParaRPr lang="en-US" dirty="0">
               <a:solidFill>
@@ -9559,7 +9559,7 @@
         <p:spPr>
           <a:xfrm>
             <a:off x="3962400" y="643467"/>
-            <a:ext cx="5029200" cy="5262979"/>
+            <a:ext cx="5029200" cy="6001643"/>
           </a:xfrm>
           <a:prstGeom prst="rect">
             <a:avLst/>
@@ -9665,6 +9665,44 @@
               </a:rPr>
               <a:t>Ordered by Group Number</a:t>
             </a:r>
+          </a:p>
+          <a:p>
+            <a:pPr marL="800100" lvl="1" indent="-342900">
+              <a:buFont typeface="Arial" panose="020B0604020202020204" pitchFamily="34" charset="0"/>
+              <a:buChar char="•"/>
+            </a:pPr>
+            <a:endParaRPr lang="en-US" dirty="0">
+              <a:solidFill>
+                <a:srgbClr val="404040"/>
+              </a:solidFill>
+            </a:endParaRPr>
+          </a:p>
+          <a:p>
+            <a:pPr marL="342900" indent="-342900">
+              <a:buFont typeface="Arial" panose="020B0604020202020204" pitchFamily="34" charset="0"/>
+              <a:buChar char="•"/>
+            </a:pPr>
+            <a:r>
+              <a:rPr lang="en-US" dirty="0">
+                <a:solidFill>
+                  <a:srgbClr val="404040"/>
+                </a:solidFill>
+              </a:rPr>
+              <a:t>STOR 520: </a:t>
+            </a:r>
+            <a:r>
+              <a:rPr lang="en-US">
+                <a:solidFill>
+                  <a:srgbClr val="404040"/>
+                </a:solidFill>
+              </a:rPr>
+              <a:t>Shiny Application</a:t>
+            </a:r>
+            <a:endParaRPr lang="en-US" dirty="0">
+              <a:solidFill>
+                <a:srgbClr val="404040"/>
+              </a:solidFill>
+            </a:endParaRPr>
           </a:p>
           <a:p>
             <a:pPr lvl="1"/>

--- a/Lecture/Final Project 2/Final_Project_2_Lecture.pptx
+++ b/Lecture/Final Project 2/Final_Project_2_Lecture.pptx
@@ -302,7 +302,7 @@
               <a:pPr>
                 <a:defRPr/>
               </a:pPr>
-              <a:t>10/11/2023</a:t>
+              <a:t>3/7/2024</a:t>
             </a:fld>
             <a:endParaRPr lang="en-US" dirty="0"/>
           </a:p>
@@ -514,7 +514,7 @@
               <a:pPr>
                 <a:defRPr/>
               </a:pPr>
-              <a:t>10/11/2023</a:t>
+              <a:t>3/7/2024</a:t>
             </a:fld>
             <a:endParaRPr lang="en-US" dirty="0"/>
           </a:p>
@@ -1033,7 +1033,7 @@
               <a:pPr>
                 <a:defRPr/>
               </a:pPr>
-              <a:t>10/11/2023</a:t>
+              <a:t>3/7/2024</a:t>
             </a:fld>
             <a:endParaRPr lang="en-US" dirty="0"/>
           </a:p>
@@ -1223,7 +1223,7 @@
               <a:pPr>
                 <a:defRPr/>
               </a:pPr>
-              <a:t>10/11/2023</a:t>
+              <a:t>3/7/2024</a:t>
             </a:fld>
             <a:endParaRPr lang="en-US" dirty="0"/>
           </a:p>
@@ -1423,7 +1423,7 @@
               <a:pPr>
                 <a:defRPr/>
               </a:pPr>
-              <a:t>10/11/2023</a:t>
+              <a:t>3/7/2024</a:t>
             </a:fld>
             <a:endParaRPr lang="en-US" dirty="0"/>
           </a:p>
@@ -1691,7 +1691,7 @@
               <a:pPr>
                 <a:defRPr/>
               </a:pPr>
-              <a:t>10/11/2023</a:t>
+              <a:t>3/7/2024</a:t>
             </a:fld>
             <a:endParaRPr lang="en-US" dirty="0">
               <a:solidFill>
@@ -1905,7 +1905,7 @@
               <a:pPr>
                 <a:defRPr/>
               </a:pPr>
-              <a:t>10/11/2023</a:t>
+              <a:t>3/7/2024</a:t>
             </a:fld>
             <a:endParaRPr lang="en-US" dirty="0">
               <a:solidFill>
@@ -2196,7 +2196,7 @@
               <a:pPr>
                 <a:defRPr/>
               </a:pPr>
-              <a:t>10/11/2023</a:t>
+              <a:t>3/7/2024</a:t>
             </a:fld>
             <a:endParaRPr lang="en-US" dirty="0">
               <a:solidFill>
@@ -2527,7 +2527,7 @@
               <a:pPr>
                 <a:defRPr/>
               </a:pPr>
-              <a:t>10/11/2023</a:t>
+              <a:t>3/7/2024</a:t>
             </a:fld>
             <a:endParaRPr lang="en-US" dirty="0">
               <a:solidFill>
@@ -2992,7 +2992,7 @@
               <a:pPr>
                 <a:defRPr/>
               </a:pPr>
-              <a:t>10/11/2023</a:t>
+              <a:t>3/7/2024</a:t>
             </a:fld>
             <a:endParaRPr lang="en-US" dirty="0">
               <a:solidFill>
@@ -3155,7 +3155,7 @@
               <a:pPr>
                 <a:defRPr/>
               </a:pPr>
-              <a:t>10/11/2023</a:t>
+              <a:t>3/7/2024</a:t>
             </a:fld>
             <a:endParaRPr lang="en-US" dirty="0">
               <a:solidFill>
@@ -3296,7 +3296,7 @@
               <a:pPr>
                 <a:defRPr/>
               </a:pPr>
-              <a:t>10/11/2023</a:t>
+              <a:t>3/7/2024</a:t>
             </a:fld>
             <a:endParaRPr lang="en-US" dirty="0">
               <a:solidFill>
@@ -3617,7 +3617,7 @@
               <a:pPr>
                 <a:defRPr/>
               </a:pPr>
-              <a:t>10/11/2023</a:t>
+              <a:t>3/7/2024</a:t>
             </a:fld>
             <a:endParaRPr lang="en-US" dirty="0">
               <a:solidFill>
@@ -3825,7 +3825,7 @@
               <a:pPr>
                 <a:defRPr/>
               </a:pPr>
-              <a:t>10/11/2023</a:t>
+              <a:t>3/7/2024</a:t>
             </a:fld>
             <a:endParaRPr lang="en-US" dirty="0"/>
           </a:p>
@@ -4108,7 +4108,7 @@
               <a:pPr>
                 <a:defRPr/>
               </a:pPr>
-              <a:t>10/11/2023</a:t>
+              <a:t>3/7/2024</a:t>
             </a:fld>
             <a:endParaRPr lang="en-US" dirty="0">
               <a:solidFill>
@@ -4322,7 +4322,7 @@
               <a:pPr>
                 <a:defRPr/>
               </a:pPr>
-              <a:t>10/11/2023</a:t>
+              <a:t>3/7/2024</a:t>
             </a:fld>
             <a:endParaRPr lang="en-US" dirty="0">
               <a:solidFill>
@@ -4546,7 +4546,7 @@
               <a:pPr>
                 <a:defRPr/>
               </a:pPr>
-              <a:t>10/11/2023</a:t>
+              <a:t>3/7/2024</a:t>
             </a:fld>
             <a:endParaRPr lang="en-US" dirty="0">
               <a:solidFill>
@@ -4756,7 +4756,7 @@
               <a:pPr>
                 <a:defRPr/>
               </a:pPr>
-              <a:t>10/11/2023</a:t>
+              <a:t>3/7/2024</a:t>
             </a:fld>
             <a:endParaRPr lang="en-US" dirty="0">
               <a:solidFill>
@@ -5033,7 +5033,7 @@
               <a:pPr>
                 <a:defRPr/>
               </a:pPr>
-              <a:t>10/11/2023</a:t>
+              <a:t>3/7/2024</a:t>
             </a:fld>
             <a:endParaRPr lang="en-US" dirty="0"/>
           </a:p>
@@ -5340,7 +5340,7 @@
               <a:pPr>
                 <a:defRPr/>
               </a:pPr>
-              <a:t>10/11/2023</a:t>
+              <a:t>3/7/2024</a:t>
             </a:fld>
             <a:endParaRPr lang="en-US" dirty="0"/>
           </a:p>
@@ -5781,7 +5781,7 @@
               <a:pPr>
                 <a:defRPr/>
               </a:pPr>
-              <a:t>10/11/2023</a:t>
+              <a:t>3/7/2024</a:t>
             </a:fld>
             <a:endParaRPr lang="en-US" dirty="0"/>
           </a:p>
@@ -5920,7 +5920,7 @@
               <a:pPr>
                 <a:defRPr/>
               </a:pPr>
-              <a:t>10/11/2023</a:t>
+              <a:t>3/7/2024</a:t>
             </a:fld>
             <a:endParaRPr lang="en-US" dirty="0"/>
           </a:p>
@@ -6037,7 +6037,7 @@
               <a:pPr>
                 <a:defRPr/>
               </a:pPr>
-              <a:t>10/11/2023</a:t>
+              <a:t>3/7/2024</a:t>
             </a:fld>
             <a:endParaRPr lang="en-US" dirty="0"/>
           </a:p>
@@ -6334,7 +6334,7 @@
               <a:pPr>
                 <a:defRPr/>
               </a:pPr>
-              <a:t>10/11/2023</a:t>
+              <a:t>3/7/2024</a:t>
             </a:fld>
             <a:endParaRPr lang="en-US" dirty="0"/>
           </a:p>
@@ -6611,7 +6611,7 @@
               <a:pPr>
                 <a:defRPr/>
               </a:pPr>
-              <a:t>10/11/2023</a:t>
+              <a:t>3/7/2024</a:t>
             </a:fld>
             <a:endParaRPr lang="en-US" dirty="0"/>
           </a:p>
@@ -6868,7 +6868,7 @@
               <a:pPr>
                 <a:defRPr/>
               </a:pPr>
-              <a:t>10/11/2023</a:t>
+              <a:t>3/7/2024</a:t>
             </a:fld>
             <a:endParaRPr lang="en-US" dirty="0"/>
           </a:p>
@@ -7578,7 +7578,7 @@
               <a:pPr>
                 <a:defRPr/>
               </a:pPr>
-              <a:t>10/11/2023</a:t>
+              <a:t>3/7/2024</a:t>
             </a:fld>
             <a:endParaRPr lang="en-US" dirty="0">
               <a:solidFill>
@@ -9688,21 +9688,8 @@
                   <a:srgbClr val="404040"/>
                 </a:solidFill>
               </a:rPr>
-              <a:t>STOR 520: </a:t>
-            </a:r>
-            <a:r>
-              <a:rPr lang="en-US">
-                <a:solidFill>
-                  <a:srgbClr val="404040"/>
-                </a:solidFill>
-              </a:rPr>
-              <a:t>Shiny Application</a:t>
-            </a:r>
-            <a:endParaRPr lang="en-US" dirty="0">
-              <a:solidFill>
-                <a:srgbClr val="404040"/>
-              </a:solidFill>
-            </a:endParaRPr>
+              <a:t>STOR 520: Shiny Application</a:t>
+            </a:r>
           </a:p>
           <a:p>
             <a:pPr lvl="1"/>

--- a/Lecture/Final Project 2/Final_Project_2_Lecture.pptx
+++ b/Lecture/Final Project 2/Final_Project_2_Lecture.pptx
@@ -302,7 +302,7 @@
               <a:pPr>
                 <a:defRPr/>
               </a:pPr>
-              <a:t>3/7/2024</a:t>
+              <a:t>3/19/2025</a:t>
             </a:fld>
             <a:endParaRPr lang="en-US" dirty="0"/>
           </a:p>
@@ -514,7 +514,7 @@
               <a:pPr>
                 <a:defRPr/>
               </a:pPr>
-              <a:t>3/7/2024</a:t>
+              <a:t>3/19/2025</a:t>
             </a:fld>
             <a:endParaRPr lang="en-US" dirty="0"/>
           </a:p>
@@ -1033,7 +1033,7 @@
               <a:pPr>
                 <a:defRPr/>
               </a:pPr>
-              <a:t>3/7/2024</a:t>
+              <a:t>3/19/2025</a:t>
             </a:fld>
             <a:endParaRPr lang="en-US" dirty="0"/>
           </a:p>
@@ -1223,7 +1223,7 @@
               <a:pPr>
                 <a:defRPr/>
               </a:pPr>
-              <a:t>3/7/2024</a:t>
+              <a:t>3/19/2025</a:t>
             </a:fld>
             <a:endParaRPr lang="en-US" dirty="0"/>
           </a:p>
@@ -1423,7 +1423,7 @@
               <a:pPr>
                 <a:defRPr/>
               </a:pPr>
-              <a:t>3/7/2024</a:t>
+              <a:t>3/19/2025</a:t>
             </a:fld>
             <a:endParaRPr lang="en-US" dirty="0"/>
           </a:p>
@@ -1691,7 +1691,7 @@
               <a:pPr>
                 <a:defRPr/>
               </a:pPr>
-              <a:t>3/7/2024</a:t>
+              <a:t>3/19/2025</a:t>
             </a:fld>
             <a:endParaRPr lang="en-US" dirty="0">
               <a:solidFill>
@@ -1905,7 +1905,7 @@
               <a:pPr>
                 <a:defRPr/>
               </a:pPr>
-              <a:t>3/7/2024</a:t>
+              <a:t>3/19/2025</a:t>
             </a:fld>
             <a:endParaRPr lang="en-US" dirty="0">
               <a:solidFill>
@@ -2196,7 +2196,7 @@
               <a:pPr>
                 <a:defRPr/>
               </a:pPr>
-              <a:t>3/7/2024</a:t>
+              <a:t>3/19/2025</a:t>
             </a:fld>
             <a:endParaRPr lang="en-US" dirty="0">
               <a:solidFill>
@@ -2527,7 +2527,7 @@
               <a:pPr>
                 <a:defRPr/>
               </a:pPr>
-              <a:t>3/7/2024</a:t>
+              <a:t>3/19/2025</a:t>
             </a:fld>
             <a:endParaRPr lang="en-US" dirty="0">
               <a:solidFill>
@@ -2992,7 +2992,7 @@
               <a:pPr>
                 <a:defRPr/>
               </a:pPr>
-              <a:t>3/7/2024</a:t>
+              <a:t>3/19/2025</a:t>
             </a:fld>
             <a:endParaRPr lang="en-US" dirty="0">
               <a:solidFill>
@@ -3155,7 +3155,7 @@
               <a:pPr>
                 <a:defRPr/>
               </a:pPr>
-              <a:t>3/7/2024</a:t>
+              <a:t>3/19/2025</a:t>
             </a:fld>
             <a:endParaRPr lang="en-US" dirty="0">
               <a:solidFill>
@@ -3296,7 +3296,7 @@
               <a:pPr>
                 <a:defRPr/>
               </a:pPr>
-              <a:t>3/7/2024</a:t>
+              <a:t>3/19/2025</a:t>
             </a:fld>
             <a:endParaRPr lang="en-US" dirty="0">
               <a:solidFill>
@@ -3617,7 +3617,7 @@
               <a:pPr>
                 <a:defRPr/>
               </a:pPr>
-              <a:t>3/7/2024</a:t>
+              <a:t>3/19/2025</a:t>
             </a:fld>
             <a:endParaRPr lang="en-US" dirty="0">
               <a:solidFill>
@@ -3825,7 +3825,7 @@
               <a:pPr>
                 <a:defRPr/>
               </a:pPr>
-              <a:t>3/7/2024</a:t>
+              <a:t>3/19/2025</a:t>
             </a:fld>
             <a:endParaRPr lang="en-US" dirty="0"/>
           </a:p>
@@ -4108,7 +4108,7 @@
               <a:pPr>
                 <a:defRPr/>
               </a:pPr>
-              <a:t>3/7/2024</a:t>
+              <a:t>3/19/2025</a:t>
             </a:fld>
             <a:endParaRPr lang="en-US" dirty="0">
               <a:solidFill>
@@ -4322,7 +4322,7 @@
               <a:pPr>
                 <a:defRPr/>
               </a:pPr>
-              <a:t>3/7/2024</a:t>
+              <a:t>3/19/2025</a:t>
             </a:fld>
             <a:endParaRPr lang="en-US" dirty="0">
               <a:solidFill>
@@ -4546,7 +4546,7 @@
               <a:pPr>
                 <a:defRPr/>
               </a:pPr>
-              <a:t>3/7/2024</a:t>
+              <a:t>3/19/2025</a:t>
             </a:fld>
             <a:endParaRPr lang="en-US" dirty="0">
               <a:solidFill>
@@ -4756,7 +4756,7 @@
               <a:pPr>
                 <a:defRPr/>
               </a:pPr>
-              <a:t>3/7/2024</a:t>
+              <a:t>3/19/2025</a:t>
             </a:fld>
             <a:endParaRPr lang="en-US" dirty="0">
               <a:solidFill>
@@ -5033,7 +5033,7 @@
               <a:pPr>
                 <a:defRPr/>
               </a:pPr>
-              <a:t>3/7/2024</a:t>
+              <a:t>3/19/2025</a:t>
             </a:fld>
             <a:endParaRPr lang="en-US" dirty="0"/>
           </a:p>
@@ -5340,7 +5340,7 @@
               <a:pPr>
                 <a:defRPr/>
               </a:pPr>
-              <a:t>3/7/2024</a:t>
+              <a:t>3/19/2025</a:t>
             </a:fld>
             <a:endParaRPr lang="en-US" dirty="0"/>
           </a:p>
@@ -5781,7 +5781,7 @@
               <a:pPr>
                 <a:defRPr/>
               </a:pPr>
-              <a:t>3/7/2024</a:t>
+              <a:t>3/19/2025</a:t>
             </a:fld>
             <a:endParaRPr lang="en-US" dirty="0"/>
           </a:p>
@@ -5920,7 +5920,7 @@
               <a:pPr>
                 <a:defRPr/>
               </a:pPr>
-              <a:t>3/7/2024</a:t>
+              <a:t>3/19/2025</a:t>
             </a:fld>
             <a:endParaRPr lang="en-US" dirty="0"/>
           </a:p>
@@ -6037,7 +6037,7 @@
               <a:pPr>
                 <a:defRPr/>
               </a:pPr>
-              <a:t>3/7/2024</a:t>
+              <a:t>3/19/2025</a:t>
             </a:fld>
             <a:endParaRPr lang="en-US" dirty="0"/>
           </a:p>
@@ -6334,7 +6334,7 @@
               <a:pPr>
                 <a:defRPr/>
               </a:pPr>
-              <a:t>3/7/2024</a:t>
+              <a:t>3/19/2025</a:t>
             </a:fld>
             <a:endParaRPr lang="en-US" dirty="0"/>
           </a:p>
@@ -6611,7 +6611,7 @@
               <a:pPr>
                 <a:defRPr/>
               </a:pPr>
-              <a:t>3/7/2024</a:t>
+              <a:t>3/19/2025</a:t>
             </a:fld>
             <a:endParaRPr lang="en-US" dirty="0"/>
           </a:p>
@@ -6868,7 +6868,7 @@
               <a:pPr>
                 <a:defRPr/>
               </a:pPr>
-              <a:t>3/7/2024</a:t>
+              <a:t>3/19/2025</a:t>
             </a:fld>
             <a:endParaRPr lang="en-US" dirty="0"/>
           </a:p>
@@ -7578,7 +7578,7 @@
               <a:pPr>
                 <a:defRPr/>
               </a:pPr>
-              <a:t>3/7/2024</a:t>
+              <a:t>3/19/2025</a:t>
             </a:fld>
             <a:endParaRPr lang="en-US" dirty="0">
               <a:solidFill>
@@ -10020,7 +10020,7 @@
         <p:spPr>
           <a:xfrm>
             <a:off x="3962400" y="643467"/>
-            <a:ext cx="5029200" cy="4524315"/>
+            <a:ext cx="5029200" cy="4154984"/>
           </a:xfrm>
           <a:prstGeom prst="rect">
             <a:avLst/>
@@ -10108,26 +10108,20 @@
               <a:buChar char="•"/>
             </a:pPr>
             <a:r>
+              <a:rPr lang="en-US">
+                <a:solidFill>
+                  <a:srgbClr val="404040"/>
+                </a:solidFill>
+              </a:rPr>
+              <a:t>Attendance </a:t>
+            </a:r>
+            <a:r>
               <a:rPr lang="en-US" dirty="0">
                 <a:solidFill>
                   <a:srgbClr val="404040"/>
                 </a:solidFill>
               </a:rPr>
-              <a:t>Q &amp; A</a:t>
-            </a:r>
-          </a:p>
-          <a:p>
-            <a:pPr marL="800100" lvl="1" indent="-342900">
-              <a:buFont typeface="Arial" panose="020B0604020202020204" pitchFamily="34" charset="0"/>
-              <a:buChar char="•"/>
-            </a:pPr>
-            <a:r>
-              <a:rPr lang="en-US" dirty="0">
-                <a:solidFill>
-                  <a:srgbClr val="404040"/>
-                </a:solidFill>
-              </a:rPr>
-              <a:t>Attendance (5 Points)</a:t>
+              <a:t>(5 Points)</a:t>
             </a:r>
           </a:p>
           <a:p>
@@ -10152,23 +10146,7 @@
                   <a:srgbClr val="404040"/>
                 </a:solidFill>
               </a:rPr>
-              <a:t>Submit Slides </a:t>
-            </a:r>
-            <a:r>
-              <a:rPr lang="en-US">
-                <a:solidFill>
-                  <a:srgbClr val="404040"/>
-                </a:solidFill>
-              </a:rPr>
-              <a:t>on Canvas </a:t>
-            </a:r>
-            <a:r>
-              <a:rPr lang="en-US" dirty="0">
-                <a:solidFill>
-                  <a:srgbClr val="404040"/>
-                </a:solidFill>
-              </a:rPr>
-              <a:t>(D)</a:t>
+              <a:t>Submit Slides on Canvas (D)</a:t>
             </a:r>
           </a:p>
           <a:p>
